--- a/document/AAG_presentation/presentation.pptx
+++ b/document/AAG_presentation/presentation.pptx
@@ -2,29 +2,29 @@
 <file path=ppt/presentation.xml><?xml version="1.0" encoding="utf-8"?>
 <p:presentation xmlns:a="http://schemas.openxmlformats.org/drawingml/2006/main" xmlns:r="http://schemas.openxmlformats.org/officeDocument/2006/relationships" xmlns:p="http://schemas.openxmlformats.org/presentationml/2006/main" saveSubsetFonts="1" autoCompressPictures="0">
   <p:sldMasterIdLst>
-    <p:sldMasterId id="2147483775" r:id="rId1"/>
-    <p:sldMasterId id="2147483751" r:id="rId2"/>
+    <p:sldMasterId id="2147483775" r:id="rId4"/>
+    <p:sldMasterId id="2147483751" r:id="rId5"/>
   </p:sldMasterIdLst>
   <p:notesMasterIdLst>
-    <p:notesMasterId r:id="rId16"/>
+    <p:notesMasterId r:id="rId19"/>
   </p:notesMasterIdLst>
   <p:handoutMasterIdLst>
-    <p:handoutMasterId r:id="rId17"/>
+    <p:handoutMasterId r:id="rId20"/>
   </p:handoutMasterIdLst>
   <p:sldIdLst>
-    <p:sldId id="256" r:id="rId3"/>
-    <p:sldId id="301" r:id="rId4"/>
-    <p:sldId id="302" r:id="rId5"/>
-    <p:sldId id="304" r:id="rId6"/>
-    <p:sldId id="305" r:id="rId7"/>
-    <p:sldId id="308" r:id="rId8"/>
-    <p:sldId id="306" r:id="rId9"/>
-    <p:sldId id="311" r:id="rId10"/>
-    <p:sldId id="309" r:id="rId11"/>
-    <p:sldId id="312" r:id="rId12"/>
-    <p:sldId id="307" r:id="rId13"/>
-    <p:sldId id="313" r:id="rId14"/>
-    <p:sldId id="300" r:id="rId15"/>
+    <p:sldId id="256" r:id="rId6"/>
+    <p:sldId id="301" r:id="rId7"/>
+    <p:sldId id="302" r:id="rId8"/>
+    <p:sldId id="304" r:id="rId9"/>
+    <p:sldId id="305" r:id="rId10"/>
+    <p:sldId id="308" r:id="rId11"/>
+    <p:sldId id="306" r:id="rId12"/>
+    <p:sldId id="311" r:id="rId13"/>
+    <p:sldId id="309" r:id="rId14"/>
+    <p:sldId id="312" r:id="rId15"/>
+    <p:sldId id="307" r:id="rId16"/>
+    <p:sldId id="313" r:id="rId17"/>
+    <p:sldId id="300" r:id="rId18"/>
   </p:sldIdLst>
   <p:sldSz cx="9144000" cy="6858000" type="screen4x3"/>
   <p:notesSz cx="6858000" cy="9144000"/>
@@ -165,7 +165,116 @@
       </p:ext>
     </p:extLst>
   </p:cmAuthor>
+  <p:cmAuthor id="2" name="Miller, Harvey J." initials="MJ" lastIdx="7" clrIdx="1">
+    <p:extLst>
+      <p:ext uri="{19B8F6BF-5375-455C-9EA6-DF929625EA0E}">
+        <p15:presenceInfo xmlns:p15="http://schemas.microsoft.com/office/powerpoint/2012/main" userId="S::miller.81@osu.edu::a502b954-5642-4a2a-8f22-6e0bbb41520b" providerId="AD"/>
+      </p:ext>
+    </p:extLst>
+  </p:cmAuthor>
 </p:cmAuthorLst>
+</file>
+
+<file path=ppt/revisionInfo.xml><?xml version="1.0" encoding="utf-8"?>
+<p1510:revInfo xmlns:a="http://schemas.openxmlformats.org/drawingml/2006/main" xmlns:r="http://schemas.openxmlformats.org/officeDocument/2006/relationships" xmlns:p1510="http://schemas.microsoft.com/office/powerpoint/2015/10/main">
+  <p1510:revLst>
+    <p1510:client id="{C72ABC36-9474-4C33-8E63-B5B34137840F}" v="126" dt="2021-04-05T13:17:34.429"/>
+  </p1510:revLst>
+</p1510:revInfo>
+</file>
+
+<file path=ppt/changesInfos/changesInfo1.xml><?xml version="1.0" encoding="utf-8"?>
+<pc:chgInfo xmlns:a="http://schemas.openxmlformats.org/drawingml/2006/main" xmlns:r="http://schemas.openxmlformats.org/officeDocument/2006/relationships" xmlns:ac="http://schemas.microsoft.com/office/drawing/2013/main/command" xmlns:pc="http://schemas.microsoft.com/office/powerpoint/2013/main/command">
+  <pc:docChgLst>
+    <pc:chgData name="Miller, Harvey J." userId="S::miller.81@osu.edu::a502b954-5642-4a2a-8f22-6e0bbb41520b" providerId="AD" clId="Web-{C72ABC36-9474-4C33-8E63-B5B34137840F}"/>
+    <pc:docChg chg="modSld">
+      <pc:chgData name="Miller, Harvey J." userId="S::miller.81@osu.edu::a502b954-5642-4a2a-8f22-6e0bbb41520b" providerId="AD" clId="Web-{C72ABC36-9474-4C33-8E63-B5B34137840F}" dt="2021-04-05T13:17:34.429" v="81"/>
+      <pc:docMkLst>
+        <pc:docMk/>
+      </pc:docMkLst>
+      <pc:sldChg chg="addCm">
+        <pc:chgData name="Miller, Harvey J." userId="S::miller.81@osu.edu::a502b954-5642-4a2a-8f22-6e0bbb41520b" providerId="AD" clId="Web-{C72ABC36-9474-4C33-8E63-B5B34137840F}" dt="2021-04-05T13:17:34.429" v="81"/>
+        <pc:sldMkLst>
+          <pc:docMk/>
+          <pc:sldMk cId="64052522" sldId="301"/>
+        </pc:sldMkLst>
+      </pc:sldChg>
+      <pc:sldChg chg="modSp">
+        <pc:chgData name="Miller, Harvey J." userId="S::miller.81@osu.edu::a502b954-5642-4a2a-8f22-6e0bbb41520b" providerId="AD" clId="Web-{C72ABC36-9474-4C33-8E63-B5B34137840F}" dt="2021-04-05T13:08:25.105" v="7" actId="20577"/>
+        <pc:sldMkLst>
+          <pc:docMk/>
+          <pc:sldMk cId="17885829" sldId="306"/>
+        </pc:sldMkLst>
+        <pc:spChg chg="mod">
+          <ac:chgData name="Miller, Harvey J." userId="S::miller.81@osu.edu::a502b954-5642-4a2a-8f22-6e0bbb41520b" providerId="AD" clId="Web-{C72ABC36-9474-4C33-8E63-B5B34137840F}" dt="2021-04-05T13:08:25.105" v="7" actId="20577"/>
+          <ac:spMkLst>
+            <pc:docMk/>
+            <pc:sldMk cId="17885829" sldId="306"/>
+            <ac:spMk id="2" creationId="{E45A6620-8AF6-438F-A11B-A38985F2AA8A}"/>
+          </ac:spMkLst>
+        </pc:spChg>
+      </pc:sldChg>
+      <pc:sldChg chg="modSp addCm">
+        <pc:chgData name="Miller, Harvey J." userId="S::miller.81@osu.edu::a502b954-5642-4a2a-8f22-6e0bbb41520b" providerId="AD" clId="Web-{C72ABC36-9474-4C33-8E63-B5B34137840F}" dt="2021-04-05T13:16:35.289" v="80" actId="20577"/>
+        <pc:sldMkLst>
+          <pc:docMk/>
+          <pc:sldMk cId="3582564777" sldId="307"/>
+        </pc:sldMkLst>
+        <pc:spChg chg="mod">
+          <ac:chgData name="Miller, Harvey J." userId="S::miller.81@osu.edu::a502b954-5642-4a2a-8f22-6e0bbb41520b" providerId="AD" clId="Web-{C72ABC36-9474-4C33-8E63-B5B34137840F}" dt="2021-04-05T13:16:35.289" v="80" actId="20577"/>
+          <ac:spMkLst>
+            <pc:docMk/>
+            <pc:sldMk cId="3582564777" sldId="307"/>
+            <ac:spMk id="6" creationId="{2EAFE05F-7BDF-475B-84C0-A08F10FCA909}"/>
+          </ac:spMkLst>
+        </pc:spChg>
+      </pc:sldChg>
+      <pc:sldChg chg="addCm modCm">
+        <pc:chgData name="Miller, Harvey J." userId="S::miller.81@osu.edu::a502b954-5642-4a2a-8f22-6e0bbb41520b" providerId="AD" clId="Web-{C72ABC36-9474-4C33-8E63-B5B34137840F}" dt="2021-04-05T13:07:16.872" v="1"/>
+        <pc:sldMkLst>
+          <pc:docMk/>
+          <pc:sldMk cId="343867686" sldId="308"/>
+        </pc:sldMkLst>
+      </pc:sldChg>
+      <pc:sldChg chg="addCm">
+        <pc:chgData name="Miller, Harvey J." userId="S::miller.81@osu.edu::a502b954-5642-4a2a-8f22-6e0bbb41520b" providerId="AD" clId="Web-{C72ABC36-9474-4C33-8E63-B5B34137840F}" dt="2021-04-05T13:11:02.729" v="21"/>
+        <pc:sldMkLst>
+          <pc:docMk/>
+          <pc:sldMk cId="2995908598" sldId="309"/>
+        </pc:sldMkLst>
+      </pc:sldChg>
+      <pc:sldChg chg="modSp addCm">
+        <pc:chgData name="Miller, Harvey J." userId="S::miller.81@osu.edu::a502b954-5642-4a2a-8f22-6e0bbb41520b" providerId="AD" clId="Web-{C72ABC36-9474-4C33-8E63-B5B34137840F}" dt="2021-04-05T13:10:00.792" v="20"/>
+        <pc:sldMkLst>
+          <pc:docMk/>
+          <pc:sldMk cId="8882273" sldId="311"/>
+        </pc:sldMkLst>
+        <pc:spChg chg="mod">
+          <ac:chgData name="Miller, Harvey J." userId="S::miller.81@osu.edu::a502b954-5642-4a2a-8f22-6e0bbb41520b" providerId="AD" clId="Web-{C72ABC36-9474-4C33-8E63-B5B34137840F}" dt="2021-04-05T13:09:23.402" v="19" actId="20577"/>
+          <ac:spMkLst>
+            <pc:docMk/>
+            <pc:sldMk cId="8882273" sldId="311"/>
+            <ac:spMk id="2" creationId="{BB44154E-4EF1-44A4-BC6F-DDB4193C67C9}"/>
+          </ac:spMkLst>
+        </pc:spChg>
+      </pc:sldChg>
+      <pc:sldChg chg="addCm">
+        <pc:chgData name="Miller, Harvey J." userId="S::miller.81@osu.edu::a502b954-5642-4a2a-8f22-6e0bbb41520b" providerId="AD" clId="Web-{C72ABC36-9474-4C33-8E63-B5B34137840F}" dt="2021-04-05T13:11:16.651" v="22"/>
+        <pc:sldMkLst>
+          <pc:docMk/>
+          <pc:sldMk cId="803865737" sldId="312"/>
+        </pc:sldMkLst>
+      </pc:sldChg>
+      <pc:sldChg chg="addCm">
+        <pc:chgData name="Miller, Harvey J." userId="S::miller.81@osu.edu::a502b954-5642-4a2a-8f22-6e0bbb41520b" providerId="AD" clId="Web-{C72ABC36-9474-4C33-8E63-B5B34137840F}" dt="2021-04-05T13:11:57.385" v="23"/>
+        <pc:sldMkLst>
+          <pc:docMk/>
+          <pc:sldMk cId="3665740752" sldId="313"/>
+        </pc:sldMkLst>
+      </pc:sldChg>
+    </pc:docChg>
+  </pc:docChgLst>
+</pc:chgInfo>
 </file>
 
 <file path=ppt/handoutMasters/handoutMaster1.xml><?xml version="1.0" encoding="utf-8"?>
@@ -249,7 +358,7 @@
           </a:lstStyle>
           <a:p>
             <a:fld id="{9A5B6E0F-1DB3-5A43-B8F9-5E1E696749DF}" type="datetimeFigureOut">
-              <a:t>4/1/2021</a:t>
+              <a:t>4/6/2021</a:t>
             </a:fld>
             <a:endParaRPr lang="en-US" dirty="0"/>
           </a:p>
@@ -412,7 +521,7 @@
           </a:lstStyle>
           <a:p>
             <a:fld id="{C61BC211-ACBD-CB48-B939-364088D2CD6D}" type="datetimeFigureOut">
-              <a:t>4/1/2021</a:t>
+              <a:t>4/6/2021</a:t>
             </a:fld>
             <a:endParaRPr lang="en-US" dirty="0"/>
           </a:p>
@@ -1319,7 +1428,7 @@
             <a:r>
               <a:rPr lang="en-US" sz="1300" b="0" kern="1200" baseline="0" dirty="0">
                 <a:solidFill>
-                  <a:srgbClr val="FF0000"/>
+                  <a:srgbClr val="C00000"/>
                 </a:solidFill>
                 <a:latin typeface="+mn-lt"/>
                 <a:ea typeface="+mn-ea"/>
@@ -3194,7 +3303,7 @@
             <a:fld id="{0F0D8E7B-AF3B-B444-8E74-E549FC814F53}" type="datetimeFigureOut">
               <a:rPr lang="en-US" smtClean="0"/>
               <a:pPr/>
-              <a:t>4/1/2021</a:t>
+              <a:t>4/6/2021</a:t>
             </a:fld>
             <a:endParaRPr lang="en-US" dirty="0"/>
           </a:p>
@@ -4714,7 +4823,7 @@
         <p:spPr>
           <a:xfrm>
             <a:off x="5917915" y="1311707"/>
-            <a:ext cx="3133534" cy="5262979"/>
+            <a:ext cx="3133534" cy="4524315"/>
           </a:xfrm>
           <a:prstGeom prst="rect">
             <a:avLst/>
@@ -4722,7 +4831,7 @@
           <a:noFill/>
         </p:spPr>
         <p:txBody>
-          <a:bodyPr wrap="square" rtlCol="0">
+          <a:bodyPr wrap="square" lIns="91440" tIns="45720" rIns="91440" bIns="45720" rtlCol="0" anchor="t">
             <a:spAutoFit/>
           </a:bodyPr>
           <a:lstStyle/>
@@ -4732,19 +4841,47 @@
               <a:buChar char="•"/>
             </a:pPr>
             <a:r>
+              <a:rPr lang="en-US" sz="2400" dirty="0">
+                <a:solidFill>
+                  <a:srgbClr val="C00000"/>
+                </a:solidFill>
+              </a:rPr>
+              <a:t>Schedule</a:t>
+            </a:r>
+            <a:r>
               <a:rPr lang="en-US" sz="2400" dirty="0"/>
-              <a:t>For schedule and arbitrary, walking distance will not impact the arrival time and the performance</a:t>
-            </a:r>
+              <a:t> and </a:t>
+            </a:r>
+            <a:r>
+              <a:rPr lang="en-US" sz="2400" dirty="0">
+                <a:solidFill>
+                  <a:srgbClr val="C00000"/>
+                </a:solidFill>
+              </a:rPr>
+              <a:t>Arbitrary:</a:t>
+            </a:r>
+            <a:r>
+              <a:rPr lang="en-US" sz="2400" dirty="0"/>
+              <a:t> walking distance has </a:t>
+            </a:r>
+            <a:r>
+              <a:rPr lang="en-US" sz="2400" b="1" dirty="0"/>
+              <a:t>no impact</a:t>
+            </a:r>
+            <a:endParaRPr lang="en-US" sz="2400" b="1">
+              <a:cs typeface="Arial"/>
+            </a:endParaRPr>
           </a:p>
           <a:p>
             <a:pPr marL="285750" indent="-285750">
               <a:buFont typeface="Arial" panose="020B0604020202020204" pitchFamily="34" charset="0"/>
               <a:buChar char="•"/>
             </a:pPr>
-            <a:r>
-              <a:rPr lang="en-US" sz="2400" dirty="0"/>
-              <a:t>For prudent RTI, more walking time leads to more wait time</a:t>
-            </a:r>
+            <a:endParaRPr lang="en-US" sz="2400" dirty="0">
+              <a:solidFill>
+                <a:srgbClr val="C00000"/>
+              </a:solidFill>
+            </a:endParaRPr>
           </a:p>
           <a:p>
             <a:pPr marL="285750" indent="-285750">
@@ -4752,9 +4889,66 @@
               <a:buChar char="•"/>
             </a:pPr>
             <a:r>
+              <a:rPr lang="en-US" sz="2400" dirty="0">
+                <a:solidFill>
+                  <a:srgbClr val="C00000"/>
+                </a:solidFill>
+              </a:rPr>
+              <a:t>Prudent</a:t>
+            </a:r>
+            <a:r>
               <a:rPr lang="en-US" sz="2400" dirty="0"/>
-              <a:t>For greedy RTI, more walking time leads to less wait time</a:t>
-            </a:r>
+              <a:t> RTI: more walking time leads to </a:t>
+            </a:r>
+            <a:r>
+              <a:rPr lang="en-US" sz="2400" b="1" dirty="0"/>
+              <a:t>more</a:t>
+            </a:r>
+            <a:r>
+              <a:rPr lang="en-US" sz="2400" dirty="0"/>
+              <a:t> wait time</a:t>
+            </a:r>
+            <a:endParaRPr lang="en-US" sz="2400">
+              <a:cs typeface="Arial"/>
+            </a:endParaRPr>
+          </a:p>
+          <a:p>
+            <a:pPr marL="285750" indent="-285750">
+              <a:buFont typeface="Arial" panose="020B0604020202020204" pitchFamily="34" charset="0"/>
+              <a:buChar char="•"/>
+            </a:pPr>
+            <a:endParaRPr lang="en-US" sz="2400" dirty="0">
+              <a:solidFill>
+                <a:srgbClr val="C00000"/>
+              </a:solidFill>
+            </a:endParaRPr>
+          </a:p>
+          <a:p>
+            <a:pPr marL="285750" indent="-285750">
+              <a:buFont typeface="Arial" panose="020B0604020202020204" pitchFamily="34" charset="0"/>
+              <a:buChar char="•"/>
+            </a:pPr>
+            <a:r>
+              <a:rPr lang="en-US" sz="2400" dirty="0">
+                <a:solidFill>
+                  <a:srgbClr val="C00000"/>
+                </a:solidFill>
+              </a:rPr>
+              <a:t>Greedy</a:t>
+            </a:r>
+            <a:r>
+              <a:rPr lang="en-US" sz="2400" dirty="0"/>
+              <a:t> RTI: more walking time leads to </a:t>
+            </a:r>
+            <a:r>
+              <a:rPr lang="en-US" sz="2400" b="1" dirty="0"/>
+              <a:t>less</a:t>
+            </a:r>
+            <a:r>
+              <a:rPr lang="en-US" sz="2400" dirty="0"/>
+              <a:t> wait time</a:t>
+            </a:r>
+            <a:endParaRPr lang="en-US"/>
           </a:p>
         </p:txBody>
       </p:sp>
@@ -4796,32 +4990,7 @@
           <p:cNvPr id="2" name="Content Placeholder 1">
             <a:extLst>
               <a:ext uri="{FF2B5EF4-FFF2-40B4-BE49-F238E27FC236}">
-                <a16:creationId xmlns:a16="http://schemas.microsoft.com/office/drawing/2014/main" id="{1C810418-9476-4A27-88AD-8BE31CE55730}"/>
-              </a:ext>
-            </a:extLst>
-          </p:cNvPr>
-          <p:cNvSpPr>
-            <a:spLocks noGrp="1"/>
-          </p:cNvSpPr>
-          <p:nvPr>
-            <p:ph idx="15"/>
-          </p:nvPr>
-        </p:nvSpPr>
-        <p:spPr/>
-        <p:txBody>
-          <a:bodyPr/>
-          <a:lstStyle/>
-          <a:p>
-            <a:endParaRPr lang="en-US"/>
-          </a:p>
-        </p:txBody>
-      </p:sp>
-      <p:sp>
-        <p:nvSpPr>
-          <p:cNvPr id="3" name="Content Placeholder 2">
-            <a:extLst>
-              <a:ext uri="{FF2B5EF4-FFF2-40B4-BE49-F238E27FC236}">
-                <a16:creationId xmlns:a16="http://schemas.microsoft.com/office/drawing/2014/main" id="{144B7E81-C003-47EF-9412-648FB887A68C}"/>
+                <a16:creationId xmlns:a16="http://schemas.microsoft.com/office/drawing/2014/main" id="{402C2ACD-CDD1-48C3-BF0D-CC5853D27857}"/>
               </a:ext>
             </a:extLst>
           </p:cNvPr>
@@ -4837,19 +5006,58 @@
           <a:bodyPr/>
           <a:lstStyle/>
           <a:p>
+            <a:pPr marL="457200" indent="-457200">
+              <a:buFont typeface="Arial" panose="020B0604020202020204" pitchFamily="34" charset="0"/>
+              <a:buChar char="•"/>
+            </a:pPr>
+            <a:r>
+              <a:rPr lang="en-US" dirty="0"/>
+              <a:t>Overall, the two RTI strategies do not outperform simply following schedule</a:t>
+            </a:r>
+          </a:p>
+          <a:p>
+            <a:pPr marL="457200" indent="-457200">
+              <a:buFont typeface="Arial" panose="020B0604020202020204" pitchFamily="34" charset="0"/>
+              <a:buChar char="•"/>
+            </a:pPr>
+            <a:r>
+              <a:rPr lang="en-US" dirty="0"/>
+              <a:t>Real time information can reduce waiting time for some users based on location and time</a:t>
+            </a:r>
+          </a:p>
+          <a:p>
+            <a:pPr marL="457200" indent="-457200">
+              <a:buFont typeface="Arial" panose="020B0604020202020204" pitchFamily="34" charset="0"/>
+              <a:buChar char="•"/>
+            </a:pPr>
+            <a:r>
+              <a:rPr lang="en-US" dirty="0"/>
+              <a:t>Including a time buffer improves the greedy approach used by </a:t>
+            </a:r>
             <a:r>
               <a:rPr lang="en-US"/>
-              <a:t>Q&amp;A</a:t>
+              <a:t>some algorithms</a:t>
+            </a:r>
+            <a:endParaRPr lang="en-US" dirty="0"/>
+          </a:p>
+          <a:p>
+            <a:pPr marL="457200" indent="-457200">
+              <a:buFont typeface="Arial" panose="020B0604020202020204" pitchFamily="34" charset="0"/>
+              <a:buChar char="•"/>
+            </a:pPr>
+            <a:r>
+              <a:rPr lang="en-US" dirty="0"/>
+              <a:t>We need to consider the transit performance in a more real-time and dynamic manner</a:t>
             </a:r>
           </a:p>
         </p:txBody>
       </p:sp>
       <p:sp>
         <p:nvSpPr>
-          <p:cNvPr id="4" name="Title 3">
+          <p:cNvPr id="3" name="Title 2">
             <a:extLst>
               <a:ext uri="{FF2B5EF4-FFF2-40B4-BE49-F238E27FC236}">
-                <a16:creationId xmlns:a16="http://schemas.microsoft.com/office/drawing/2014/main" id="{A423B8CE-7B20-4B8A-89A9-4EE1753F01F5}"/>
+                <a16:creationId xmlns:a16="http://schemas.microsoft.com/office/drawing/2014/main" id="{25A62B34-81E4-4A48-9E0E-913C858ABCFE}"/>
               </a:ext>
             </a:extLst>
           </p:cNvPr>
@@ -4862,17 +5070,22 @@
         </p:nvSpPr>
         <p:spPr/>
         <p:txBody>
-          <a:bodyPr/>
+          <a:bodyPr>
+            <a:normAutofit fontScale="90000"/>
+          </a:bodyPr>
           <a:lstStyle/>
           <a:p>
-            <a:endParaRPr lang="en-US"/>
+            <a:r>
+              <a:rPr lang="en-US" dirty="0"/>
+              <a:t>Conclusion</a:t>
+            </a:r>
           </a:p>
         </p:txBody>
       </p:sp>
     </p:spTree>
     <p:extLst>
       <p:ext uri="{BB962C8B-B14F-4D97-AF65-F5344CB8AC3E}">
-        <p14:creationId xmlns:p14="http://schemas.microsoft.com/office/powerpoint/2010/main" val="3665740752"/>
+        <p14:creationId xmlns:p14="http://schemas.microsoft.com/office/powerpoint/2010/main" val="1260160321"/>
       </p:ext>
     </p:extLst>
   </p:cSld>
@@ -6245,31 +6458,7 @@
             </a:pPr>
             <a:r>
               <a:rPr lang="en-US" sz="2400" dirty="0"/>
-              <a:t>General Transit Feed Specification (GTFS) real-time: </a:t>
-            </a:r>
-            <a:r>
-              <a:rPr lang="en-US" sz="2400" dirty="0">
-                <a:solidFill>
-                  <a:srgbClr val="C00000"/>
-                </a:solidFill>
-              </a:rPr>
-              <a:t>actual time of arrival </a:t>
-            </a:r>
-            <a:r>
-              <a:rPr lang="en-US" sz="2400" dirty="0"/>
-              <a:t>and </a:t>
-            </a:r>
-            <a:r>
-              <a:rPr lang="en-US" sz="2400" dirty="0">
-                <a:solidFill>
-                  <a:srgbClr val="C00000"/>
-                </a:solidFill>
-              </a:rPr>
-              <a:t>estimated time of arrival </a:t>
-            </a:r>
-            <a:r>
-              <a:rPr lang="en-US" sz="2400" dirty="0"/>
-              <a:t>every 1 minutes</a:t>
+              <a:t>General Transit Feed Specification real-time and Automatic passenger counter data</a:t>
             </a:r>
           </a:p>
           <a:p>
@@ -6278,9 +6467,44 @@
               <a:buChar char="•"/>
             </a:pPr>
             <a:r>
+              <a:rPr lang="en-US" sz="2400" dirty="0">
+                <a:solidFill>
+                  <a:srgbClr val="C00000"/>
+                </a:solidFill>
+              </a:rPr>
+              <a:t>Actual time of arrival </a:t>
+            </a:r>
+            <a:r>
               <a:rPr lang="en-US" sz="2400" dirty="0"/>
-              <a:t>Automatic passenger counter data (APC): for better temporal accuracy of actual time of arrival</a:t>
-            </a:r>
+              <a:t>and </a:t>
+            </a:r>
+            <a:r>
+              <a:rPr lang="en-US" sz="2400" dirty="0">
+                <a:solidFill>
+                  <a:srgbClr val="C00000"/>
+                </a:solidFill>
+              </a:rPr>
+              <a:t>estimated time of arrival </a:t>
+            </a:r>
+            <a:r>
+              <a:rPr lang="en-US" sz="2400" dirty="0"/>
+              <a:t>every 1 minutes: </a:t>
+            </a:r>
+            <a:r>
+              <a:rPr lang="en-US" sz="2400" dirty="0">
+                <a:solidFill>
+                  <a:srgbClr val="C00000"/>
+                </a:solidFill>
+              </a:rPr>
+              <a:t>145, 200, 000 GTFS records, 2 TB volume</a:t>
+            </a:r>
+          </a:p>
+          <a:p>
+            <a:endParaRPr lang="en-US" sz="2400" dirty="0">
+              <a:solidFill>
+                <a:srgbClr val="C00000"/>
+              </a:solidFill>
+            </a:endParaRPr>
           </a:p>
           <a:p>
             <a:pPr marL="457200" indent="-457200">
@@ -6290,10 +6514,26 @@
             <a:r>
               <a:rPr lang="en-US" sz="2400" dirty="0">
                 <a:solidFill>
+                  <a:schemeClr val="tx1"/>
+                </a:solidFill>
+              </a:rPr>
+              <a:t>Calculate the </a:t>
+            </a:r>
+            <a:r>
+              <a:rPr lang="en-US" sz="2400" dirty="0">
+                <a:solidFill>
                   <a:srgbClr val="C00000"/>
                 </a:solidFill>
               </a:rPr>
-              <a:t>145, 200, 000 GTFS records, 2 TB volume</a:t>
+              <a:t>optimal insurance buffer </a:t>
+            </a:r>
+            <a:r>
+              <a:rPr lang="en-US" sz="2400" dirty="0">
+                <a:solidFill>
+                  <a:schemeClr val="tx1"/>
+                </a:solidFill>
+              </a:rPr>
+              <a:t>for prudent RTI strategy</a:t>
             </a:r>
           </a:p>
           <a:p>
@@ -6335,14 +6575,11 @@
               <a:buFont typeface="Arial" panose="020B0604020202020204" pitchFamily="34" charset="0"/>
               <a:buChar char="•"/>
             </a:pPr>
-            <a:r>
-              <a:rPr lang="en-US" sz="2400" dirty="0">
-                <a:solidFill>
-                  <a:schemeClr val="tx1"/>
-                </a:solidFill>
-              </a:rPr>
-              <a:t>Calculate the optimal insurance buffer for prudent RTI strategy</a:t>
-            </a:r>
+            <a:endParaRPr lang="en-US" sz="2400" dirty="0">
+              <a:solidFill>
+                <a:schemeClr val="tx1"/>
+              </a:solidFill>
+            </a:endParaRPr>
           </a:p>
         </p:txBody>
       </p:sp>
@@ -6427,12 +6664,12 @@
         </p:nvSpPr>
         <p:spPr>
           <a:xfrm>
-            <a:off x="6205591" y="1005691"/>
-            <a:ext cx="2938409" cy="4417350"/>
+            <a:off x="6205591" y="1472674"/>
+            <a:ext cx="2938409" cy="5695023"/>
           </a:xfrm>
         </p:spPr>
         <p:txBody>
-          <a:bodyPr/>
+          <a:bodyPr lIns="91440" tIns="45720" rIns="91440" bIns="45720" anchor="t"/>
           <a:lstStyle/>
           <a:p>
             <a:r>
@@ -6458,10 +6695,8 @@
           <a:p>
             <a:r>
               <a:rPr lang="en-US" sz="2600" dirty="0"/>
-              <a:t>Also test five other major routes for generalizability questions</a:t>
-            </a:r>
-          </a:p>
-          <a:p>
+              <a:t>Also test 5 other routes for generalizability </a:t>
+            </a:r>
             <a:r>
               <a:rPr lang="en-US" sz="1800" dirty="0">
                 <a:solidFill>
@@ -6474,6 +6709,7 @@
               <a:solidFill>
                 <a:srgbClr val="C00000"/>
               </a:solidFill>
+              <a:cs typeface="Arial"/>
             </a:endParaRPr>
           </a:p>
           <a:p>
@@ -6602,7 +6838,7 @@
           </a:xfrm>
         </p:spPr>
         <p:txBody>
-          <a:bodyPr/>
+          <a:bodyPr lIns="91440" tIns="45720" rIns="91440" bIns="45720" anchor="t"/>
           <a:lstStyle/>
           <a:p>
             <a:pPr marL="457200" indent="-457200">
@@ -6611,7 +6847,31 @@
             </a:pPr>
             <a:r>
               <a:rPr lang="en-US" sz="2000" dirty="0"/>
-              <a:t>Following schedule is close to the optimal RTI (prudent) strategy</a:t>
+              <a:t>Following </a:t>
+            </a:r>
+            <a:r>
+              <a:rPr lang="en-US" sz="2000" dirty="0">
+                <a:solidFill>
+                  <a:srgbClr val="C00000"/>
+                </a:solidFill>
+              </a:rPr>
+              <a:t>Schedule</a:t>
+            </a:r>
+            <a:r>
+              <a:rPr lang="en-US" sz="2000" dirty="0"/>
+              <a:t> is close to the optimal RTI (</a:t>
+            </a:r>
+            <a:r>
+              <a:rPr lang="en-US" sz="2000" dirty="0">
+                <a:solidFill>
+                  <a:srgbClr val="C00000"/>
+                </a:solidFill>
+              </a:rPr>
+              <a:t>Prudent</a:t>
+            </a:r>
+            <a:r>
+              <a:rPr lang="en-US" sz="2000" dirty="0"/>
+              <a:t>) strategy</a:t>
             </a:r>
           </a:p>
           <a:p>
@@ -6621,8 +6881,35 @@
             </a:pPr>
             <a:r>
               <a:rPr lang="en-US" sz="2000" dirty="0"/>
-              <a:t>The greedy RTI strategy’s performance is even worse than the arbitrary strategy</a:t>
-            </a:r>
+              <a:t>The </a:t>
+            </a:r>
+            <a:r>
+              <a:rPr lang="en-US" sz="2000" dirty="0">
+                <a:solidFill>
+                  <a:srgbClr val="C00000"/>
+                </a:solidFill>
+              </a:rPr>
+              <a:t>Greedy</a:t>
+            </a:r>
+            <a:r>
+              <a:rPr lang="en-US" sz="2000" dirty="0"/>
+              <a:t> RTI strategy’s performance is even worse than the </a:t>
+            </a:r>
+            <a:r>
+              <a:rPr lang="en-US" sz="2000" dirty="0">
+                <a:solidFill>
+                  <a:srgbClr val="C00000"/>
+                </a:solidFill>
+              </a:rPr>
+              <a:t>Arbitrary</a:t>
+            </a:r>
+            <a:r>
+              <a:rPr lang="en-US" sz="2000" dirty="0"/>
+              <a:t> strategy</a:t>
+            </a:r>
+            <a:endParaRPr lang="en-US" sz="2000" dirty="0">
+              <a:cs typeface="Arial"/>
+            </a:endParaRPr>
           </a:p>
           <a:p>
             <a:pPr marL="457200" indent="-457200">
@@ -6804,8 +7091,8 @@
         </p:nvSpPr>
         <p:spPr>
           <a:xfrm>
-            <a:off x="3513762" y="1734521"/>
-            <a:ext cx="5330980" cy="4861487"/>
+            <a:off x="5649592" y="1734521"/>
+            <a:ext cx="3494408" cy="4861487"/>
           </a:xfrm>
         </p:spPr>
         <p:txBody>
@@ -6817,32 +7104,20 @@
               <a:buChar char="•"/>
             </a:pPr>
             <a:r>
-              <a:rPr lang="en-US" sz="2300" dirty="0"/>
-              <a:t>Stops near the start stations (</a:t>
-            </a:r>
-            <a:r>
-              <a:rPr lang="en-US" sz="2300" dirty="0">
-                <a:solidFill>
-                  <a:srgbClr val="0070C0"/>
+              <a:rPr lang="en-US" sz="2400" dirty="0"/>
+              <a:t>Stops near the </a:t>
+            </a:r>
+            <a:r>
+              <a:rPr lang="en-US" sz="2400" dirty="0">
+                <a:solidFill>
+                  <a:srgbClr val="C00000"/>
                 </a:solidFill>
               </a:rPr>
-              <a:t>blue: </a:t>
-            </a:r>
-            <a:r>
-              <a:rPr lang="en-US" sz="2300" dirty="0"/>
-              <a:t>higher headway; </a:t>
-            </a:r>
-            <a:r>
-              <a:rPr lang="en-US" sz="2300" dirty="0">
-                <a:solidFill>
-                  <a:srgbClr val="C00000"/>
-                </a:solidFill>
-              </a:rPr>
-              <a:t>red: </a:t>
-            </a:r>
-            <a:r>
-              <a:rPr lang="en-US" sz="2300" dirty="0"/>
-              <a:t>standard headway) have worse performance</a:t>
+              <a:t>start stations</a:t>
+            </a:r>
+            <a:r>
+              <a:rPr lang="en-US" sz="2400" dirty="0"/>
+              <a:t> have worse performance</a:t>
             </a:r>
           </a:p>
           <a:p>
@@ -6851,8 +7126,32 @@
               <a:buChar char="•"/>
             </a:pPr>
             <a:r>
-              <a:rPr lang="en-US" sz="2300" dirty="0"/>
-              <a:t>Timepoints, where the buses must stick to the schedule, have shorter waiting time</a:t>
+              <a:rPr lang="en-US" sz="2400" dirty="0">
+                <a:solidFill>
+                  <a:srgbClr val="C00000"/>
+                </a:solidFill>
+              </a:rPr>
+              <a:t>Timepoints, </a:t>
+            </a:r>
+            <a:r>
+              <a:rPr lang="en-US" sz="2400" dirty="0">
+                <a:solidFill>
+                  <a:schemeClr val="tx1"/>
+                </a:solidFill>
+              </a:rPr>
+              <a:t>where bus sticks to the schedule</a:t>
+            </a:r>
+            <a:r>
+              <a:rPr lang="en-US" sz="2400" dirty="0">
+                <a:solidFill>
+                  <a:srgbClr val="C00000"/>
+                </a:solidFill>
+              </a:rPr>
+              <a:t>, </a:t>
+            </a:r>
+            <a:r>
+              <a:rPr lang="en-US" sz="2400" dirty="0"/>
+              <a:t>have shorter waiting time</a:t>
             </a:r>
           </a:p>
           <a:p>
@@ -6861,51 +7160,12 @@
               <a:buChar char="•"/>
             </a:pPr>
             <a:r>
-              <a:rPr lang="en-US" sz="2300" dirty="0"/>
-              <a:t>Stops near the origin waited less than stops near the destination of the route</a:t>
-            </a:r>
-          </a:p>
-          <a:p>
-            <a:pPr marL="457200" indent="-457200">
-              <a:buFont typeface="Arial" panose="020B0604020202020204" pitchFamily="34" charset="0"/>
-              <a:buChar char="•"/>
-            </a:pPr>
-            <a:r>
-              <a:rPr lang="en-US" sz="2300" dirty="0"/>
+              <a:rPr lang="en-US" sz="2400" dirty="0"/>
               <a:t>Higher headway service has longer wait time</a:t>
             </a:r>
           </a:p>
         </p:txBody>
       </p:sp>
-      <p:pic>
-        <p:nvPicPr>
-          <p:cNvPr id="10" name="Picture 9" descr="Graphical user interface&#10;&#10;Description automatically generated">
-            <a:extLst>
-              <a:ext uri="{FF2B5EF4-FFF2-40B4-BE49-F238E27FC236}">
-                <a16:creationId xmlns:a16="http://schemas.microsoft.com/office/drawing/2014/main" id="{434C1147-C70A-4DF9-8821-10BC0C69340C}"/>
-              </a:ext>
-            </a:extLst>
-          </p:cNvPr>
-          <p:cNvPicPr>
-            <a:picLocks noChangeAspect="1"/>
-          </p:cNvPicPr>
-          <p:nvPr/>
-        </p:nvPicPr>
-        <p:blipFill rotWithShape="1">
-          <a:blip r:embed="rId2"/>
-          <a:srcRect l="49964" r="72"/>
-          <a:stretch/>
-        </p:blipFill>
-        <p:spPr>
-          <a:xfrm>
-            <a:off x="92468" y="4300382"/>
-            <a:ext cx="3287730" cy="2583962"/>
-          </a:xfrm>
-          <a:prstGeom prst="rect">
-            <a:avLst/>
-          </a:prstGeom>
-        </p:spPr>
-      </p:pic>
       <p:pic>
         <p:nvPicPr>
           <p:cNvPr id="11" name="Picture 10" descr="Graphical user interface&#10;&#10;Description automatically generated">
@@ -6927,8 +7187,8 @@
         </p:blipFill>
         <p:spPr>
           <a:xfrm>
-            <a:off x="92468" y="1716419"/>
-            <a:ext cx="3287730" cy="2583963"/>
+            <a:off x="0" y="1945140"/>
+            <a:ext cx="5649592" cy="4440248"/>
           </a:xfrm>
           <a:prstGeom prst="rect">
             <a:avLst/>
@@ -8227,4 +8487,200 @@
   </a:objectDefaults>
   <a:extraClrSchemeLst/>
 </a:theme>
+</file>
+
+<file path=customXml/item1.xml><?xml version="1.0" encoding="utf-8"?>
+<p:properties xmlns:p="http://schemas.microsoft.com/office/2006/metadata/properties" xmlns:xsi="http://www.w3.org/2001/XMLSchema-instance" xmlns:pc="http://schemas.microsoft.com/office/infopath/2007/PartnerControls">
+  <documentManagement/>
+</p:properties>
+</file>
+
+<file path=customXml/item2.xml><?xml version="1.0" encoding="utf-8"?>
+<?mso-contentType ?>
+<FormTemplates xmlns="http://schemas.microsoft.com/sharepoint/v3/contenttype/forms">
+  <Display>DocumentLibraryForm</Display>
+  <Edit>DocumentLibraryForm</Edit>
+  <New>DocumentLibraryForm</New>
+</FormTemplates>
+</file>
+
+<file path=customXml/item3.xml><?xml version="1.0" encoding="utf-8"?>
+<ct:contentTypeSchema xmlns:ct="http://schemas.microsoft.com/office/2006/metadata/contentType" xmlns:ma="http://schemas.microsoft.com/office/2006/metadata/properties/metaAttributes" ct:_="" ma:_="" ma:contentTypeName="Document" ma:contentTypeID="0x010100E930CDF73BC53D41B7E133DF537BDA40" ma:contentTypeVersion="4" ma:contentTypeDescription="Create a new document." ma:contentTypeScope="" ma:versionID="9837b0592f411cf3688bf15e48e4d766">
+  <xsd:schema xmlns:xsd="http://www.w3.org/2001/XMLSchema" xmlns:xs="http://www.w3.org/2001/XMLSchema" xmlns:p="http://schemas.microsoft.com/office/2006/metadata/properties" xmlns:ns2="ec0d9b4f-8739-43ee-a99c-7c904fd80ae7" targetNamespace="http://schemas.microsoft.com/office/2006/metadata/properties" ma:root="true" ma:fieldsID="63d497057f8bc113e15388da07a12c07" ns2:_="">
+    <xsd:import namespace="ec0d9b4f-8739-43ee-a99c-7c904fd80ae7"/>
+    <xsd:element name="properties">
+      <xsd:complexType>
+        <xsd:sequence>
+          <xsd:element name="documentManagement">
+            <xsd:complexType>
+              <xsd:all>
+                <xsd:element ref="ns2:MediaServiceMetadata" minOccurs="0"/>
+                <xsd:element ref="ns2:MediaServiceFastMetadata" minOccurs="0"/>
+                <xsd:element ref="ns2:MediaServiceAutoKeyPoints" minOccurs="0"/>
+                <xsd:element ref="ns2:MediaServiceKeyPoints" minOccurs="0"/>
+              </xsd:all>
+            </xsd:complexType>
+          </xsd:element>
+        </xsd:sequence>
+      </xsd:complexType>
+    </xsd:element>
+  </xsd:schema>
+  <xsd:schema xmlns:xsd="http://www.w3.org/2001/XMLSchema" xmlns:xs="http://www.w3.org/2001/XMLSchema" xmlns:dms="http://schemas.microsoft.com/office/2006/documentManagement/types" xmlns:pc="http://schemas.microsoft.com/office/infopath/2007/PartnerControls" targetNamespace="ec0d9b4f-8739-43ee-a99c-7c904fd80ae7" elementFormDefault="qualified">
+    <xsd:import namespace="http://schemas.microsoft.com/office/2006/documentManagement/types"/>
+    <xsd:import namespace="http://schemas.microsoft.com/office/infopath/2007/PartnerControls"/>
+    <xsd:element name="MediaServiceMetadata" ma:index="8" nillable="true" ma:displayName="MediaServiceMetadata" ma:hidden="true" ma:internalName="MediaServiceMetadata" ma:readOnly="true">
+      <xsd:simpleType>
+        <xsd:restriction base="dms:Note"/>
+      </xsd:simpleType>
+    </xsd:element>
+    <xsd:element name="MediaServiceFastMetadata" ma:index="9" nillable="true" ma:displayName="MediaServiceFastMetadata" ma:hidden="true" ma:internalName="MediaServiceFastMetadata" ma:readOnly="true">
+      <xsd:simpleType>
+        <xsd:restriction base="dms:Note"/>
+      </xsd:simpleType>
+    </xsd:element>
+    <xsd:element name="MediaServiceAutoKeyPoints" ma:index="10" nillable="true" ma:displayName="MediaServiceAutoKeyPoints" ma:hidden="true" ma:internalName="MediaServiceAutoKeyPoints" ma:readOnly="true">
+      <xsd:simpleType>
+        <xsd:restriction base="dms:Note"/>
+      </xsd:simpleType>
+    </xsd:element>
+    <xsd:element name="MediaServiceKeyPoints" ma:index="11" nillable="true" ma:displayName="KeyPoints" ma:internalName="MediaServiceKeyPoints" ma:readOnly="true">
+      <xsd:simpleType>
+        <xsd:restriction base="dms:Note">
+          <xsd:maxLength value="255"/>
+        </xsd:restriction>
+      </xsd:simpleType>
+    </xsd:element>
+  </xsd:schema>
+  <xsd:schema xmlns="http://schemas.openxmlformats.org/package/2006/metadata/core-properties" xmlns:xsd="http://www.w3.org/2001/XMLSchema" xmlns:xsi="http://www.w3.org/2001/XMLSchema-instance" xmlns:dc="http://purl.org/dc/elements/1.1/" xmlns:dcterms="http://purl.org/dc/terms/" xmlns:odoc="http://schemas.microsoft.com/internal/obd" targetNamespace="http://schemas.openxmlformats.org/package/2006/metadata/core-properties" elementFormDefault="qualified" attributeFormDefault="unqualified" blockDefault="#all">
+    <xsd:import namespace="http://purl.org/dc/elements/1.1/" schemaLocation="http://dublincore.org/schemas/xmls/qdc/2003/04/02/dc.xsd"/>
+    <xsd:import namespace="http://purl.org/dc/terms/" schemaLocation="http://dublincore.org/schemas/xmls/qdc/2003/04/02/dcterms.xsd"/>
+    <xsd:element name="coreProperties" type="CT_coreProperties"/>
+    <xsd:complexType name="CT_coreProperties">
+      <xsd:all>
+        <xsd:element ref="dc:creator" minOccurs="0" maxOccurs="1"/>
+        <xsd:element ref="dcterms:created" minOccurs="0" maxOccurs="1"/>
+        <xsd:element ref="dc:identifier" minOccurs="0" maxOccurs="1"/>
+        <xsd:element name="contentType" minOccurs="0" maxOccurs="1" type="xsd:string" ma:index="0" ma:displayName="Content Type"/>
+        <xsd:element ref="dc:title" minOccurs="0" maxOccurs="1" ma:index="4" ma:displayName="Title"/>
+        <xsd:element ref="dc:subject" minOccurs="0" maxOccurs="1"/>
+        <xsd:element ref="dc:description" minOccurs="0" maxOccurs="1"/>
+        <xsd:element name="keywords" minOccurs="0" maxOccurs="1" type="xsd:string"/>
+        <xsd:element ref="dc:language" minOccurs="0" maxOccurs="1"/>
+        <xsd:element name="category" minOccurs="0" maxOccurs="1" type="xsd:string"/>
+        <xsd:element name="version" minOccurs="0" maxOccurs="1" type="xsd:string"/>
+        <xsd:element name="revision" minOccurs="0" maxOccurs="1" type="xsd:string">
+          <xsd:annotation>
+            <xsd:documentation>
+                        This value indicates the number of saves or revisions. The application is responsible for updating this value after each revision.
+                    </xsd:documentation>
+          </xsd:annotation>
+        </xsd:element>
+        <xsd:element name="lastModifiedBy" minOccurs="0" maxOccurs="1" type="xsd:string"/>
+        <xsd:element ref="dcterms:modified" minOccurs="0" maxOccurs="1"/>
+        <xsd:element name="contentStatus" minOccurs="0" maxOccurs="1" type="xsd:string"/>
+      </xsd:all>
+    </xsd:complexType>
+  </xsd:schema>
+  <xs:schema xmlns:pc="http://schemas.microsoft.com/office/infopath/2007/PartnerControls" xmlns:xs="http://www.w3.org/2001/XMLSchema" targetNamespace="http://schemas.microsoft.com/office/infopath/2007/PartnerControls" elementFormDefault="qualified" attributeFormDefault="unqualified">
+    <xs:element name="Person">
+      <xs:complexType>
+        <xs:sequence>
+          <xs:element ref="pc:DisplayName" minOccurs="0"/>
+          <xs:element ref="pc:AccountId" minOccurs="0"/>
+          <xs:element ref="pc:AccountType" minOccurs="0"/>
+        </xs:sequence>
+      </xs:complexType>
+    </xs:element>
+    <xs:element name="DisplayName" type="xs:string"/>
+    <xs:element name="AccountId" type="xs:string"/>
+    <xs:element name="AccountType" type="xs:string"/>
+    <xs:element name="BDCAssociatedEntity">
+      <xs:complexType>
+        <xs:sequence>
+          <xs:element ref="pc:BDCEntity" minOccurs="0" maxOccurs="unbounded"/>
+        </xs:sequence>
+        <xs:attribute ref="pc:EntityNamespace"/>
+        <xs:attribute ref="pc:EntityName"/>
+        <xs:attribute ref="pc:SystemInstanceName"/>
+        <xs:attribute ref="pc:AssociationName"/>
+      </xs:complexType>
+    </xs:element>
+    <xs:attribute name="EntityNamespace" type="xs:string"/>
+    <xs:attribute name="EntityName" type="xs:string"/>
+    <xs:attribute name="SystemInstanceName" type="xs:string"/>
+    <xs:attribute name="AssociationName" type="xs:string"/>
+    <xs:element name="BDCEntity">
+      <xs:complexType>
+        <xs:sequence>
+          <xs:element ref="pc:EntityDisplayName" minOccurs="0"/>
+          <xs:element ref="pc:EntityInstanceReference" minOccurs="0"/>
+          <xs:element ref="pc:EntityId1" minOccurs="0"/>
+          <xs:element ref="pc:EntityId2" minOccurs="0"/>
+          <xs:element ref="pc:EntityId3" minOccurs="0"/>
+          <xs:element ref="pc:EntityId4" minOccurs="0"/>
+          <xs:element ref="pc:EntityId5" minOccurs="0"/>
+        </xs:sequence>
+      </xs:complexType>
+    </xs:element>
+    <xs:element name="EntityDisplayName" type="xs:string"/>
+    <xs:element name="EntityInstanceReference" type="xs:string"/>
+    <xs:element name="EntityId1" type="xs:string"/>
+    <xs:element name="EntityId2" type="xs:string"/>
+    <xs:element name="EntityId3" type="xs:string"/>
+    <xs:element name="EntityId4" type="xs:string"/>
+    <xs:element name="EntityId5" type="xs:string"/>
+    <xs:element name="Terms">
+      <xs:complexType>
+        <xs:sequence>
+          <xs:element ref="pc:TermInfo" minOccurs="0" maxOccurs="unbounded"/>
+        </xs:sequence>
+      </xs:complexType>
+    </xs:element>
+    <xs:element name="TermInfo">
+      <xs:complexType>
+        <xs:sequence>
+          <xs:element ref="pc:TermName" minOccurs="0"/>
+          <xs:element ref="pc:TermId" minOccurs="0"/>
+        </xs:sequence>
+      </xs:complexType>
+    </xs:element>
+    <xs:element name="TermName" type="xs:string"/>
+    <xs:element name="TermId" type="xs:string"/>
+  </xs:schema>
+</ct:contentTypeSchema>
+</file>
+
+<file path=customXml/itemProps1.xml><?xml version="1.0" encoding="utf-8"?>
+<ds:datastoreItem xmlns:ds="http://schemas.openxmlformats.org/officeDocument/2006/customXml" ds:itemID="{38D28F27-5C59-4CD4-8DF0-94A9CE9B5602}">
+  <ds:schemaRefs>
+    <ds:schemaRef ds:uri="http://schemas.microsoft.com/office/2006/metadata/properties"/>
+    <ds:schemaRef ds:uri="http://schemas.microsoft.com/office/infopath/2007/PartnerControls"/>
+  </ds:schemaRefs>
+</ds:datastoreItem>
+</file>
+
+<file path=customXml/itemProps2.xml><?xml version="1.0" encoding="utf-8"?>
+<ds:datastoreItem xmlns:ds="http://schemas.openxmlformats.org/officeDocument/2006/customXml" ds:itemID="{2235C39A-9318-4158-BB93-21D0B59CA321}">
+  <ds:schemaRefs>
+    <ds:schemaRef ds:uri="http://schemas.microsoft.com/sharepoint/v3/contenttype/forms"/>
+  </ds:schemaRefs>
+</ds:datastoreItem>
+</file>
+
+<file path=customXml/itemProps3.xml><?xml version="1.0" encoding="utf-8"?>
+<ds:datastoreItem xmlns:ds="http://schemas.openxmlformats.org/officeDocument/2006/customXml" ds:itemID="{DFDDDCD3-9822-49C9-98E5-FB1DFD31C0B0}">
+  <ds:schemaRefs>
+    <ds:schemaRef ds:uri="http://schemas.microsoft.com/office/2006/metadata/contentType"/>
+    <ds:schemaRef ds:uri="http://schemas.microsoft.com/office/2006/metadata/properties/metaAttributes"/>
+    <ds:schemaRef ds:uri="http://www.w3.org/2001/XMLSchema"/>
+    <ds:schemaRef ds:uri="http://schemas.microsoft.com/office/2006/metadata/properties"/>
+    <ds:schemaRef ds:uri="ec0d9b4f-8739-43ee-a99c-7c904fd80ae7"/>
+    <ds:schemaRef ds:uri="http://schemas.microsoft.com/office/2006/documentManagement/types"/>
+    <ds:schemaRef ds:uri="http://schemas.microsoft.com/office/infopath/2007/PartnerControls"/>
+    <ds:schemaRef ds:uri="http://schemas.openxmlformats.org/package/2006/metadata/core-properties"/>
+    <ds:schemaRef ds:uri="http://purl.org/dc/elements/1.1/"/>
+    <ds:schemaRef ds:uri="http://purl.org/dc/terms/"/>
+    <ds:schemaRef ds:uri="http://schemas.microsoft.com/internal/obd"/>
+  </ds:schemaRefs>
+</ds:datastoreItem>
 </file>
--- a/document/AAG_presentation/presentation.pptx
+++ b/document/AAG_presentation/presentation.pptx
@@ -358,7 +358,7 @@
           </a:lstStyle>
           <a:p>
             <a:fld id="{9A5B6E0F-1DB3-5A43-B8F9-5E1E696749DF}" type="datetimeFigureOut">
-              <a:t>4/6/2021</a:t>
+              <a:t>4/7/2021</a:t>
             </a:fld>
             <a:endParaRPr lang="en-US" dirty="0"/>
           </a:p>
@@ -521,7 +521,7 @@
           </a:lstStyle>
           <a:p>
             <a:fld id="{C61BC211-ACBD-CB48-B939-364088D2CD6D}" type="datetimeFigureOut">
-              <a:t>4/6/2021</a:t>
+              <a:t>4/7/2021</a:t>
             </a:fld>
             <a:endParaRPr lang="en-US" dirty="0"/>
           </a:p>
@@ -848,7 +848,22 @@
               <a:tabLst/>
               <a:defRPr/>
             </a:pPr>
-            <a:endParaRPr lang="en-US" dirty="0"/>
+            <a:r>
+              <a:rPr lang="en-US" dirty="0" err="1"/>
+              <a:t>Hellow</a:t>
+            </a:r>
+            <a:r>
+              <a:rPr lang="en-US" dirty="0"/>
+              <a:t> everyone, welcome to my presentation today! My name is </a:t>
+            </a:r>
+            <a:r>
+              <a:rPr lang="en-US" dirty="0" err="1"/>
+              <a:t>luyuliu</a:t>
+            </a:r>
+            <a:r>
+              <a:rPr lang="en-US" dirty="0"/>
+              <a:t>, my title is /////// </a:t>
+            </a:r>
           </a:p>
         </p:txBody>
       </p:sp>
@@ -879,6 +894,300 @@
     <p:extLst>
       <p:ext uri="{BB962C8B-B14F-4D97-AF65-F5344CB8AC3E}">
         <p14:creationId xmlns:p14="http://schemas.microsoft.com/office/powerpoint/2010/main" val="326883589"/>
+      </p:ext>
+    </p:extLst>
+  </p:cSld>
+  <p:clrMapOvr>
+    <a:masterClrMapping/>
+  </p:clrMapOvr>
+</p:notes>
+</file>
+
+<file path=ppt/notesSlides/notesSlide10.xml><?xml version="1.0" encoding="utf-8"?>
+<p:notes xmlns:a="http://schemas.openxmlformats.org/drawingml/2006/main" xmlns:r="http://schemas.openxmlformats.org/officeDocument/2006/relationships" xmlns:p="http://schemas.openxmlformats.org/presentationml/2006/main">
+  <p:cSld>
+    <p:spTree>
+      <p:nvGrpSpPr>
+        <p:cNvPr id="1" name=""/>
+        <p:cNvGrpSpPr/>
+        <p:nvPr/>
+      </p:nvGrpSpPr>
+      <p:grpSpPr>
+        <a:xfrm>
+          <a:off x="0" y="0"/>
+          <a:ext cx="0" cy="0"/>
+          <a:chOff x="0" y="0"/>
+          <a:chExt cx="0" cy="0"/>
+        </a:xfrm>
+      </p:grpSpPr>
+      <p:sp>
+        <p:nvSpPr>
+          <p:cNvPr id="2" name="Slide Image Placeholder 1"/>
+          <p:cNvSpPr>
+            <a:spLocks noGrp="1" noRot="1" noChangeAspect="1"/>
+          </p:cNvSpPr>
+          <p:nvPr>
+            <p:ph type="sldImg"/>
+          </p:nvPr>
+        </p:nvSpPr>
+        <p:spPr/>
+      </p:sp>
+      <p:sp>
+        <p:nvSpPr>
+          <p:cNvPr id="3" name="Notes Placeholder 2"/>
+          <p:cNvSpPr>
+            <a:spLocks noGrp="1"/>
+          </p:cNvSpPr>
+          <p:nvPr>
+            <p:ph type="body" idx="1"/>
+          </p:nvPr>
+        </p:nvSpPr>
+        <p:spPr/>
+        <p:txBody>
+          <a:bodyPr/>
+          <a:lstStyle/>
+          <a:p>
+            <a:r>
+              <a:rPr lang="en-US" dirty="0"/>
+              <a:t>So we know that the best </a:t>
+            </a:r>
+            <a:r>
+              <a:rPr lang="en-US" dirty="0" err="1"/>
+              <a:t>rti</a:t>
+            </a:r>
+            <a:r>
+              <a:rPr lang="en-US" dirty="0"/>
+              <a:t> and best </a:t>
+            </a:r>
+            <a:r>
+              <a:rPr lang="en-US" dirty="0" err="1"/>
+              <a:t>nonrti</a:t>
+            </a:r>
+            <a:r>
+              <a:rPr lang="en-US" dirty="0"/>
+              <a:t> strategy, which are prudent and schedule strategies, have very similar performance, so we calculate the difference between the two strategy. We find out if you are near the upstream stops near the origin, where there is less delay, prudent is worse than schedule. If you live near the downstream stop near the destination, where have more delay, prudent is better than schedule, which means you should use more RTI.</a:t>
+            </a:r>
+          </a:p>
+          <a:p>
+            <a:endParaRPr lang="en-US" dirty="0"/>
+          </a:p>
+          <a:p>
+            <a:r>
+              <a:rPr lang="en-US" dirty="0"/>
+              <a:t>There is another interesting pattern in this map, is that each stop have several concentric circles, which indicates different walking time. From the center to the outer ring, the waiting time is increasing. </a:t>
+            </a:r>
+          </a:p>
+        </p:txBody>
+      </p:sp>
+      <p:sp>
+        <p:nvSpPr>
+          <p:cNvPr id="4" name="Slide Number Placeholder 3"/>
+          <p:cNvSpPr>
+            <a:spLocks noGrp="1"/>
+          </p:cNvSpPr>
+          <p:nvPr>
+            <p:ph type="sldNum" sz="quarter" idx="5"/>
+          </p:nvPr>
+        </p:nvSpPr>
+        <p:spPr/>
+        <p:txBody>
+          <a:bodyPr/>
+          <a:lstStyle/>
+          <a:p>
+            <a:fld id="{D904D311-73F7-5D42-B843-E8305C73070F}" type="slidenum">
+              <a:rPr lang="en-US" smtClean="0"/>
+              <a:t>10</a:t>
+            </a:fld>
+            <a:endParaRPr lang="en-US" dirty="0"/>
+          </a:p>
+        </p:txBody>
+      </p:sp>
+    </p:spTree>
+    <p:extLst>
+      <p:ext uri="{BB962C8B-B14F-4D97-AF65-F5344CB8AC3E}">
+        <p14:creationId xmlns:p14="http://schemas.microsoft.com/office/powerpoint/2010/main" val="3142923542"/>
+      </p:ext>
+    </p:extLst>
+  </p:cSld>
+  <p:clrMapOvr>
+    <a:masterClrMapping/>
+  </p:clrMapOvr>
+</p:notes>
+</file>
+
+<file path=ppt/notesSlides/notesSlide11.xml><?xml version="1.0" encoding="utf-8"?>
+<p:notes xmlns:a="http://schemas.openxmlformats.org/drawingml/2006/main" xmlns:r="http://schemas.openxmlformats.org/officeDocument/2006/relationships" xmlns:p="http://schemas.openxmlformats.org/presentationml/2006/main">
+  <p:cSld>
+    <p:spTree>
+      <p:nvGrpSpPr>
+        <p:cNvPr id="1" name=""/>
+        <p:cNvGrpSpPr/>
+        <p:nvPr/>
+      </p:nvGrpSpPr>
+      <p:grpSpPr>
+        <a:xfrm>
+          <a:off x="0" y="0"/>
+          <a:ext cx="0" cy="0"/>
+          <a:chOff x="0" y="0"/>
+          <a:chExt cx="0" cy="0"/>
+        </a:xfrm>
+      </p:grpSpPr>
+      <p:sp>
+        <p:nvSpPr>
+          <p:cNvPr id="2" name="Slide Image Placeholder 1"/>
+          <p:cNvSpPr>
+            <a:spLocks noGrp="1" noRot="1" noChangeAspect="1"/>
+          </p:cNvSpPr>
+          <p:nvPr>
+            <p:ph type="sldImg"/>
+          </p:nvPr>
+        </p:nvSpPr>
+        <p:spPr/>
+      </p:sp>
+      <p:sp>
+        <p:nvSpPr>
+          <p:cNvPr id="3" name="Notes Placeholder 2"/>
+          <p:cNvSpPr>
+            <a:spLocks noGrp="1"/>
+          </p:cNvSpPr>
+          <p:nvPr>
+            <p:ph type="body" idx="1"/>
+          </p:nvPr>
+        </p:nvSpPr>
+        <p:spPr/>
+        <p:txBody>
+          <a:bodyPr/>
+          <a:lstStyle/>
+          <a:p>
+            <a:r>
+              <a:rPr lang="en-US" dirty="0"/>
+              <a:t>Therefore, walking distance from the origin to the bus stop makes a difference for RTI strategy. For non-RTI strategies, walking distance has no impact. For prudent RTI, more waling time leads to more waiting time because more walking time means more uncertainties and higher risk of missing a bus. For greedy RTI, more walking time leads to less waiting time.  Longer walking time actually serves as a buffer time. So as walking time increase, the two </a:t>
+            </a:r>
+            <a:r>
+              <a:rPr lang="en-US" dirty="0" err="1"/>
+              <a:t>rti</a:t>
+            </a:r>
+            <a:r>
+              <a:rPr lang="en-US" dirty="0"/>
+              <a:t> strategies performance is actually converging.</a:t>
+            </a:r>
+          </a:p>
+        </p:txBody>
+      </p:sp>
+      <p:sp>
+        <p:nvSpPr>
+          <p:cNvPr id="4" name="Slide Number Placeholder 3"/>
+          <p:cNvSpPr>
+            <a:spLocks noGrp="1"/>
+          </p:cNvSpPr>
+          <p:nvPr>
+            <p:ph type="sldNum" sz="quarter" idx="5"/>
+          </p:nvPr>
+        </p:nvSpPr>
+        <p:spPr/>
+        <p:txBody>
+          <a:bodyPr/>
+          <a:lstStyle/>
+          <a:p>
+            <a:fld id="{D904D311-73F7-5D42-B843-E8305C73070F}" type="slidenum">
+              <a:rPr lang="en-US" smtClean="0"/>
+              <a:t>11</a:t>
+            </a:fld>
+            <a:endParaRPr lang="en-US" dirty="0"/>
+          </a:p>
+        </p:txBody>
+      </p:sp>
+    </p:spTree>
+    <p:extLst>
+      <p:ext uri="{BB962C8B-B14F-4D97-AF65-F5344CB8AC3E}">
+        <p14:creationId xmlns:p14="http://schemas.microsoft.com/office/powerpoint/2010/main" val="2558642454"/>
+      </p:ext>
+    </p:extLst>
+  </p:cSld>
+  <p:clrMapOvr>
+    <a:masterClrMapping/>
+  </p:clrMapOvr>
+</p:notes>
+</file>
+
+<file path=ppt/notesSlides/notesSlide12.xml><?xml version="1.0" encoding="utf-8"?>
+<p:notes xmlns:a="http://schemas.openxmlformats.org/drawingml/2006/main" xmlns:r="http://schemas.openxmlformats.org/officeDocument/2006/relationships" xmlns:p="http://schemas.openxmlformats.org/presentationml/2006/main">
+  <p:cSld>
+    <p:spTree>
+      <p:nvGrpSpPr>
+        <p:cNvPr id="1" name=""/>
+        <p:cNvGrpSpPr/>
+        <p:nvPr/>
+      </p:nvGrpSpPr>
+      <p:grpSpPr>
+        <a:xfrm>
+          <a:off x="0" y="0"/>
+          <a:ext cx="0" cy="0"/>
+          <a:chOff x="0" y="0"/>
+          <a:chExt cx="0" cy="0"/>
+        </a:xfrm>
+      </p:grpSpPr>
+      <p:sp>
+        <p:nvSpPr>
+          <p:cNvPr id="2" name="Slide Image Placeholder 1"/>
+          <p:cNvSpPr>
+            <a:spLocks noGrp="1" noRot="1" noChangeAspect="1"/>
+          </p:cNvSpPr>
+          <p:nvPr>
+            <p:ph type="sldImg"/>
+          </p:nvPr>
+        </p:nvSpPr>
+        <p:spPr/>
+      </p:sp>
+      <p:sp>
+        <p:nvSpPr>
+          <p:cNvPr id="3" name="Notes Placeholder 2"/>
+          <p:cNvSpPr>
+            <a:spLocks noGrp="1"/>
+          </p:cNvSpPr>
+          <p:nvPr>
+            <p:ph type="body" idx="1"/>
+          </p:nvPr>
+        </p:nvSpPr>
+        <p:spPr/>
+        <p:txBody>
+          <a:bodyPr/>
+          <a:lstStyle/>
+          <a:p>
+            <a:r>
+              <a:rPr lang="en-US" dirty="0"/>
+              <a:t>So based on what we discussed, we can see: </a:t>
+            </a:r>
+          </a:p>
+        </p:txBody>
+      </p:sp>
+      <p:sp>
+        <p:nvSpPr>
+          <p:cNvPr id="4" name="Slide Number Placeholder 3"/>
+          <p:cNvSpPr>
+            <a:spLocks noGrp="1"/>
+          </p:cNvSpPr>
+          <p:nvPr>
+            <p:ph type="sldNum" sz="quarter" idx="5"/>
+          </p:nvPr>
+        </p:nvSpPr>
+        <p:spPr/>
+        <p:txBody>
+          <a:bodyPr/>
+          <a:lstStyle/>
+          <a:p>
+            <a:fld id="{D904D311-73F7-5D42-B843-E8305C73070F}" type="slidenum">
+              <a:rPr lang="en-US" smtClean="0"/>
+              <a:t>12</a:t>
+            </a:fld>
+            <a:endParaRPr lang="en-US" dirty="0"/>
+          </a:p>
+        </p:txBody>
+      </p:sp>
+    </p:spTree>
+    <p:extLst>
+      <p:ext uri="{BB962C8B-B14F-4D97-AF65-F5344CB8AC3E}">
+        <p14:creationId xmlns:p14="http://schemas.microsoft.com/office/powerpoint/2010/main" val="1413846309"/>
       </p:ext>
     </p:extLst>
   </p:cSld>
@@ -932,7 +1241,42 @@
           <a:bodyPr/>
           <a:lstStyle/>
           <a:p>
-            <a:endParaRPr lang="en-US" dirty="0"/>
+            <a:r>
+              <a:rPr lang="en-US" dirty="0"/>
+              <a:t>First I would like to discuss about real-time data in general as a game changer for transit users. Real-time information is reported to have many benefits </a:t>
+            </a:r>
+            <a:r>
+              <a:rPr lang="en-US" dirty="0" err="1"/>
+              <a:t>suchas</a:t>
+            </a:r>
+            <a:r>
+              <a:rPr lang="en-US" dirty="0"/>
+              <a:t> decreased waiting time, total time , increase </a:t>
+            </a:r>
+            <a:r>
+              <a:rPr lang="en-US" dirty="0" err="1"/>
+              <a:t>ridereship</a:t>
+            </a:r>
+            <a:r>
+              <a:rPr lang="en-US" dirty="0"/>
+              <a:t> and </a:t>
+            </a:r>
+            <a:r>
+              <a:rPr lang="en-US" dirty="0" err="1"/>
+              <a:t>satisfication</a:t>
+            </a:r>
+            <a:r>
+              <a:rPr lang="en-US" dirty="0"/>
+              <a:t>,. But among them all, the most common positive </a:t>
+            </a:r>
+            <a:r>
+              <a:rPr lang="en-US" dirty="0" err="1"/>
+              <a:t>fing</a:t>
+            </a:r>
+            <a:r>
+              <a:rPr lang="en-US" dirty="0"/>
+              <a:t> in the literature for real-time information is decrease waiting time. However, despite the overall impact on waiting time is well explored, there are still some mechanism behind the benefit we did not fully discussed. For example, Realtime information can actually increase the risk of missing a bus under some circumstances. </a:t>
+            </a:r>
           </a:p>
         </p:txBody>
       </p:sp>
@@ -1016,7 +1360,67 @@
           <a:bodyPr/>
           <a:lstStyle/>
           <a:p>
+            <a:r>
+              <a:rPr lang="en-US" dirty="0"/>
+              <a:t>There are two factors that can contribute to higher risk of missing a bus: reclaimed delay, bus drivers compensating for being late and </a:t>
+            </a:r>
+            <a:r>
+              <a:rPr lang="en-US" dirty="0" err="1"/>
+              <a:t>discountinuity</a:t>
+            </a:r>
+            <a:r>
+              <a:rPr lang="en-US" dirty="0"/>
+              <a:t> delay, that RTI is not timely updated. The most important factor is reclaimed </a:t>
+            </a:r>
+            <a:r>
+              <a:rPr lang="en-US" dirty="0" err="1"/>
+              <a:t>dely</a:t>
+            </a:r>
+            <a:r>
+              <a:rPr lang="en-US" dirty="0"/>
+              <a:t>, we show </a:t>
+            </a:r>
+            <a:r>
+              <a:rPr lang="en-US" dirty="0" err="1"/>
+              <a:t>ane</a:t>
+            </a:r>
+            <a:r>
+              <a:rPr lang="en-US" dirty="0"/>
+              <a:t> </a:t>
+            </a:r>
+            <a:r>
+              <a:rPr lang="en-US" dirty="0" err="1"/>
+              <a:t>xample</a:t>
+            </a:r>
+            <a:r>
+              <a:rPr lang="en-US" dirty="0"/>
+              <a:t> in the left. For example, a user wants to go to his office and he checked his trip planning app. The app will say something like the bus is delayed for 5 min and you should leave at 9 am. So at 9 am the user follow the suggested time. However, during the user is walking, the bus can accelerated to offset some delay. And by the time the user arrives, the bus is already gone and the app will tell the user like you should have leave at eight fifty seven. </a:t>
+            </a:r>
+          </a:p>
+          <a:p>
             <a:endParaRPr lang="en-US" dirty="0"/>
+          </a:p>
+          <a:p>
+            <a:r>
+              <a:rPr lang="en-US" dirty="0"/>
+              <a:t>So you see, in this process nobody is doing wrong right? The bus driver is simply following the rules, the user is doing what he’s told, and the trip planning app is simply reporting what the real-time feed’s expectation right now. However, the actual reason is that the </a:t>
+            </a:r>
+            <a:r>
+              <a:rPr lang="en-US" dirty="0" err="1"/>
+              <a:t>the</a:t>
+            </a:r>
+            <a:r>
+              <a:rPr lang="en-US" dirty="0"/>
+              <a:t> RTI algorithms use a greedy strategy to aim for 0 waiting time. It ignores </a:t>
+            </a:r>
+            <a:r>
+              <a:rPr lang="en-US" dirty="0" err="1"/>
+              <a:t>reliabtility</a:t>
+            </a:r>
+            <a:r>
+              <a:rPr lang="en-US" dirty="0"/>
+              <a:t> and there can be risky. Therefore, the user can miss the bus and wait an even longer time,</a:t>
+            </a:r>
           </a:p>
         </p:txBody>
       </p:sp>
@@ -1037,7 +1441,7 @@
           <a:p>
             <a:fld id="{D904D311-73F7-5D42-B843-E8305C73070F}" type="slidenum">
               <a:rPr lang="en-US" smtClean="0"/>
-              <a:t>4</a:t>
+              <a:t>3</a:t>
             </a:fld>
             <a:endParaRPr lang="en-US" dirty="0"/>
           </a:p>
@@ -1046,7 +1450,7 @@
     </p:spTree>
     <p:extLst>
       <p:ext uri="{BB962C8B-B14F-4D97-AF65-F5344CB8AC3E}">
-        <p14:creationId xmlns:p14="http://schemas.microsoft.com/office/powerpoint/2010/main" val="3750435818"/>
+        <p14:creationId xmlns:p14="http://schemas.microsoft.com/office/powerpoint/2010/main" val="2945270669"/>
       </p:ext>
     </p:extLst>
   </p:cSld>
@@ -1100,7 +1504,10 @@
           <a:bodyPr/>
           <a:lstStyle/>
           <a:p>
-            <a:endParaRPr lang="en-US" dirty="0"/>
+            <a:r>
+              <a:rPr lang="en-US" dirty="0"/>
+              <a:t>However, there is a very simple and effective strategy that can avoid the risk of missing a bus, which is to add a short insurance buffer before the suggested time. For example, for the same scenario we shoed last slide, before the user leave the home, the user will not believe the suggested time but to leave a 3 minutes buffer before it. So when the bus accelerate, the buffer could offset the reclaimed delay. As you can see, this is a more prudent RTI strategy. The only requirement is that we need to find the optima insurance buffer for each user and time</a:t>
+            </a:r>
           </a:p>
         </p:txBody>
       </p:sp>
@@ -1121,7 +1528,7 @@
           <a:p>
             <a:fld id="{D904D311-73F7-5D42-B843-E8305C73070F}" type="slidenum">
               <a:rPr lang="en-US" smtClean="0"/>
-              <a:t>11</a:t>
+              <a:t>4</a:t>
             </a:fld>
             <a:endParaRPr lang="en-US" dirty="0"/>
           </a:p>
@@ -1130,7 +1537,669 @@
     </p:spTree>
     <p:extLst>
       <p:ext uri="{BB962C8B-B14F-4D97-AF65-F5344CB8AC3E}">
-        <p14:creationId xmlns:p14="http://schemas.microsoft.com/office/powerpoint/2010/main" val="2558642454"/>
+        <p14:creationId xmlns:p14="http://schemas.microsoft.com/office/powerpoint/2010/main" val="3750435818"/>
+      </p:ext>
+    </p:extLst>
+  </p:cSld>
+  <p:clrMapOvr>
+    <a:masterClrMapping/>
+  </p:clrMapOvr>
+</p:notes>
+</file>
+
+<file path=ppt/notesSlides/notesSlide5.xml><?xml version="1.0" encoding="utf-8"?>
+<p:notes xmlns:a="http://schemas.openxmlformats.org/drawingml/2006/main" xmlns:r="http://schemas.openxmlformats.org/officeDocument/2006/relationships" xmlns:p="http://schemas.openxmlformats.org/presentationml/2006/main">
+  <p:cSld>
+    <p:spTree>
+      <p:nvGrpSpPr>
+        <p:cNvPr id="1" name=""/>
+        <p:cNvGrpSpPr/>
+        <p:nvPr/>
+      </p:nvGrpSpPr>
+      <p:grpSpPr>
+        <a:xfrm>
+          <a:off x="0" y="0"/>
+          <a:ext cx="0" cy="0"/>
+          <a:chOff x="0" y="0"/>
+          <a:chExt cx="0" cy="0"/>
+        </a:xfrm>
+      </p:grpSpPr>
+      <p:sp>
+        <p:nvSpPr>
+          <p:cNvPr id="2" name="Slide Image Placeholder 1"/>
+          <p:cNvSpPr>
+            <a:spLocks noGrp="1" noRot="1" noChangeAspect="1"/>
+          </p:cNvSpPr>
+          <p:nvPr>
+            <p:ph type="sldImg"/>
+          </p:nvPr>
+        </p:nvSpPr>
+        <p:spPr/>
+      </p:sp>
+      <p:sp>
+        <p:nvSpPr>
+          <p:cNvPr id="3" name="Notes Placeholder 2"/>
+          <p:cNvSpPr>
+            <a:spLocks noGrp="1"/>
+          </p:cNvSpPr>
+          <p:nvPr>
+            <p:ph type="body" idx="1"/>
+          </p:nvPr>
+        </p:nvSpPr>
+        <p:spPr/>
+        <p:txBody>
+          <a:bodyPr/>
+          <a:lstStyle/>
+          <a:p>
+            <a:r>
+              <a:rPr lang="en-US" dirty="0"/>
+              <a:t>We introduced two RTI strategy greedy and prudent, and there are two common non-RTI strategies: the first one is </a:t>
+            </a:r>
+            <a:r>
+              <a:rPr lang="en-US" dirty="0" err="1"/>
+              <a:t>followingthe</a:t>
+            </a:r>
+            <a:r>
+              <a:rPr lang="en-US" dirty="0"/>
+              <a:t> schedule. This </a:t>
+            </a:r>
+            <a:r>
+              <a:rPr lang="en-US" dirty="0" err="1"/>
+              <a:t>streategy</a:t>
+            </a:r>
+            <a:r>
+              <a:rPr lang="en-US" dirty="0"/>
+              <a:t> has a low risk of missing bus because there is usually no early bus policy for many transit authorities. </a:t>
+            </a:r>
+            <a:r>
+              <a:rPr lang="en-US" dirty="0" err="1"/>
+              <a:t>Howecer</a:t>
+            </a:r>
+            <a:r>
+              <a:rPr lang="en-US" dirty="0"/>
+              <a:t>, these users can wait a long time if there is long delay.</a:t>
+            </a:r>
+          </a:p>
+          <a:p>
+            <a:endParaRPr lang="en-US" dirty="0"/>
+          </a:p>
+          <a:p>
+            <a:r>
+              <a:rPr lang="en-US" dirty="0"/>
+              <a:t>And there is another strategy which is leave </a:t>
+            </a:r>
+            <a:r>
+              <a:rPr lang="en-US" dirty="0" err="1"/>
+              <a:t>randonmly</a:t>
+            </a:r>
+            <a:r>
+              <a:rPr lang="en-US" dirty="0"/>
+              <a:t>. The average waiting </a:t>
+            </a:r>
+            <a:r>
+              <a:rPr lang="en-US" dirty="0" err="1"/>
+              <a:t>timewill</a:t>
+            </a:r>
+            <a:r>
+              <a:rPr lang="en-US" dirty="0"/>
+              <a:t> be very long because it will be half </a:t>
+            </a:r>
+            <a:r>
+              <a:rPr lang="en-US" dirty="0" err="1"/>
+              <a:t>othe</a:t>
+            </a:r>
+            <a:r>
+              <a:rPr lang="en-US" dirty="0"/>
+              <a:t> headway.</a:t>
+            </a:r>
+          </a:p>
+        </p:txBody>
+      </p:sp>
+      <p:sp>
+        <p:nvSpPr>
+          <p:cNvPr id="4" name="Slide Number Placeholder 3"/>
+          <p:cNvSpPr>
+            <a:spLocks noGrp="1"/>
+          </p:cNvSpPr>
+          <p:nvPr>
+            <p:ph type="sldNum" sz="quarter" idx="5"/>
+          </p:nvPr>
+        </p:nvSpPr>
+        <p:spPr/>
+        <p:txBody>
+          <a:bodyPr/>
+          <a:lstStyle/>
+          <a:p>
+            <a:fld id="{D904D311-73F7-5D42-B843-E8305C73070F}" type="slidenum">
+              <a:rPr lang="en-US" smtClean="0"/>
+              <a:t>5</a:t>
+            </a:fld>
+            <a:endParaRPr lang="en-US" dirty="0"/>
+          </a:p>
+        </p:txBody>
+      </p:sp>
+    </p:spTree>
+    <p:extLst>
+      <p:ext uri="{BB962C8B-B14F-4D97-AF65-F5344CB8AC3E}">
+        <p14:creationId xmlns:p14="http://schemas.microsoft.com/office/powerpoint/2010/main" val="3859744145"/>
+      </p:ext>
+    </p:extLst>
+  </p:cSld>
+  <p:clrMapOvr>
+    <a:masterClrMapping/>
+  </p:clrMapOvr>
+</p:notes>
+</file>
+
+<file path=ppt/notesSlides/notesSlide6.xml><?xml version="1.0" encoding="utf-8"?>
+<p:notes xmlns:a="http://schemas.openxmlformats.org/drawingml/2006/main" xmlns:r="http://schemas.openxmlformats.org/officeDocument/2006/relationships" xmlns:p="http://schemas.openxmlformats.org/presentationml/2006/main">
+  <p:cSld>
+    <p:spTree>
+      <p:nvGrpSpPr>
+        <p:cNvPr id="1" name=""/>
+        <p:cNvGrpSpPr/>
+        <p:nvPr/>
+      </p:nvGrpSpPr>
+      <p:grpSpPr>
+        <a:xfrm>
+          <a:off x="0" y="0"/>
+          <a:ext cx="0" cy="0"/>
+          <a:chOff x="0" y="0"/>
+          <a:chExt cx="0" cy="0"/>
+        </a:xfrm>
+      </p:grpSpPr>
+      <p:sp>
+        <p:nvSpPr>
+          <p:cNvPr id="2" name="Slide Image Placeholder 1"/>
+          <p:cNvSpPr>
+            <a:spLocks noGrp="1" noRot="1" noChangeAspect="1"/>
+          </p:cNvSpPr>
+          <p:nvPr>
+            <p:ph type="sldImg"/>
+          </p:nvPr>
+        </p:nvSpPr>
+        <p:spPr/>
+      </p:sp>
+      <p:sp>
+        <p:nvSpPr>
+          <p:cNvPr id="3" name="Notes Placeholder 2"/>
+          <p:cNvSpPr>
+            <a:spLocks noGrp="1"/>
+          </p:cNvSpPr>
+          <p:nvPr>
+            <p:ph type="body" idx="1"/>
+          </p:nvPr>
+        </p:nvSpPr>
+        <p:spPr/>
+        <p:txBody>
+          <a:bodyPr/>
+          <a:lstStyle/>
+          <a:p>
+            <a:r>
+              <a:rPr lang="en-US" dirty="0"/>
+              <a:t>So we introduce the four strategies as benchmarks for </a:t>
+            </a:r>
+            <a:r>
+              <a:rPr lang="en-US" dirty="0" err="1"/>
+              <a:t>rti</a:t>
+            </a:r>
+            <a:r>
+              <a:rPr lang="en-US" dirty="0"/>
+              <a:t> and </a:t>
+            </a:r>
+            <a:r>
+              <a:rPr lang="en-US" dirty="0" err="1"/>
+              <a:t>nonrti</a:t>
+            </a:r>
+            <a:r>
+              <a:rPr lang="en-US" dirty="0"/>
+              <a:t> users, we used GTFS real-time and APC data as our data source, From these datasets, we derived actual time of arrival and estimate of arrival for every 1 minutes: The total volume of the GTFS database is at </a:t>
+            </a:r>
+            <a:r>
+              <a:rPr lang="en-US" dirty="0" err="1"/>
+              <a:t>Terabtype</a:t>
+            </a:r>
+            <a:r>
+              <a:rPr lang="en-US" dirty="0"/>
+              <a:t> level. </a:t>
+            </a:r>
+          </a:p>
+          <a:p>
+            <a:endParaRPr lang="en-US" dirty="0"/>
+          </a:p>
+          <a:p>
+            <a:r>
+              <a:rPr lang="en-US" dirty="0"/>
+              <a:t>Based on this </a:t>
+            </a:r>
+            <a:r>
+              <a:rPr lang="en-US" dirty="0" err="1"/>
+              <a:t>enomerous</a:t>
+            </a:r>
+            <a:r>
+              <a:rPr lang="en-US" dirty="0"/>
+              <a:t> dataset, we </a:t>
+            </a:r>
+            <a:r>
+              <a:rPr lang="en-US" dirty="0" err="1"/>
+              <a:t>cacluate</a:t>
+            </a:r>
+            <a:r>
+              <a:rPr lang="en-US" dirty="0"/>
+              <a:t> the optima </a:t>
+            </a:r>
+            <a:r>
+              <a:rPr lang="en-US" dirty="0" err="1"/>
+              <a:t>linsurance</a:t>
+            </a:r>
+            <a:r>
+              <a:rPr lang="en-US" dirty="0"/>
+              <a:t> buffer for prudent RTI strategy and simulate the four strategy for different user’s’ behavior.</a:t>
+            </a:r>
+          </a:p>
+        </p:txBody>
+      </p:sp>
+      <p:sp>
+        <p:nvSpPr>
+          <p:cNvPr id="4" name="Slide Number Placeholder 3"/>
+          <p:cNvSpPr>
+            <a:spLocks noGrp="1"/>
+          </p:cNvSpPr>
+          <p:nvPr>
+            <p:ph type="sldNum" sz="quarter" idx="5"/>
+          </p:nvPr>
+        </p:nvSpPr>
+        <p:spPr/>
+        <p:txBody>
+          <a:bodyPr/>
+          <a:lstStyle/>
+          <a:p>
+            <a:fld id="{D904D311-73F7-5D42-B843-E8305C73070F}" type="slidenum">
+              <a:rPr lang="en-US" smtClean="0"/>
+              <a:t>6</a:t>
+            </a:fld>
+            <a:endParaRPr lang="en-US" dirty="0"/>
+          </a:p>
+        </p:txBody>
+      </p:sp>
+    </p:spTree>
+    <p:extLst>
+      <p:ext uri="{BB962C8B-B14F-4D97-AF65-F5344CB8AC3E}">
+        <p14:creationId xmlns:p14="http://schemas.microsoft.com/office/powerpoint/2010/main" val="708989152"/>
+      </p:ext>
+    </p:extLst>
+  </p:cSld>
+  <p:clrMapOvr>
+    <a:masterClrMapping/>
+  </p:clrMapOvr>
+</p:notes>
+</file>
+
+<file path=ppt/notesSlides/notesSlide7.xml><?xml version="1.0" encoding="utf-8"?>
+<p:notes xmlns:a="http://schemas.openxmlformats.org/drawingml/2006/main" xmlns:r="http://schemas.openxmlformats.org/officeDocument/2006/relationships" xmlns:p="http://schemas.openxmlformats.org/presentationml/2006/main">
+  <p:cSld>
+    <p:spTree>
+      <p:nvGrpSpPr>
+        <p:cNvPr id="1" name=""/>
+        <p:cNvGrpSpPr/>
+        <p:nvPr/>
+      </p:nvGrpSpPr>
+      <p:grpSpPr>
+        <a:xfrm>
+          <a:off x="0" y="0"/>
+          <a:ext cx="0" cy="0"/>
+          <a:chOff x="0" y="0"/>
+          <a:chExt cx="0" cy="0"/>
+        </a:xfrm>
+      </p:grpSpPr>
+      <p:sp>
+        <p:nvSpPr>
+          <p:cNvPr id="2" name="Slide Image Placeholder 1"/>
+          <p:cNvSpPr>
+            <a:spLocks noGrp="1" noRot="1" noChangeAspect="1"/>
+          </p:cNvSpPr>
+          <p:nvPr>
+            <p:ph type="sldImg"/>
+          </p:nvPr>
+        </p:nvSpPr>
+        <p:spPr/>
+      </p:sp>
+      <p:sp>
+        <p:nvSpPr>
+          <p:cNvPr id="3" name="Notes Placeholder 2"/>
+          <p:cNvSpPr>
+            <a:spLocks noGrp="1"/>
+          </p:cNvSpPr>
+          <p:nvPr>
+            <p:ph type="body" idx="1"/>
+          </p:nvPr>
+        </p:nvSpPr>
+        <p:spPr/>
+        <p:txBody>
+          <a:bodyPr/>
+          <a:lstStyle/>
+          <a:p>
+            <a:r>
+              <a:rPr lang="en-US" dirty="0"/>
+              <a:t>Based on these </a:t>
+            </a:r>
+            <a:r>
+              <a:rPr lang="en-US" dirty="0" err="1"/>
+              <a:t>medthod</a:t>
+            </a:r>
+            <a:r>
+              <a:rPr lang="en-US" dirty="0"/>
+              <a:t>, we conduct a case study in bus route no.2 in central </a:t>
+            </a:r>
+            <a:r>
+              <a:rPr lang="en-US" dirty="0" err="1"/>
+              <a:t>ohio</a:t>
+            </a:r>
+            <a:r>
+              <a:rPr lang="en-US" dirty="0"/>
+              <a:t> transit authority </a:t>
+            </a:r>
+            <a:r>
+              <a:rPr lang="en-US" dirty="0" err="1"/>
+              <a:t>cota</a:t>
+            </a:r>
+            <a:r>
+              <a:rPr lang="en-US" dirty="0"/>
+              <a:t> in </a:t>
+            </a:r>
+            <a:r>
+              <a:rPr lang="en-US" dirty="0" err="1"/>
+              <a:t>columbus</a:t>
+            </a:r>
+            <a:r>
+              <a:rPr lang="en-US" dirty="0"/>
+              <a:t> </a:t>
+            </a:r>
+            <a:r>
+              <a:rPr lang="en-US" dirty="0" err="1"/>
+              <a:t>ohio</a:t>
+            </a:r>
+            <a:r>
+              <a:rPr lang="en-US" dirty="0"/>
+              <a:t>. The route has the most </a:t>
+            </a:r>
+            <a:r>
+              <a:rPr lang="en-US" dirty="0" err="1"/>
+              <a:t>ridershp</a:t>
+            </a:r>
+            <a:r>
+              <a:rPr lang="en-US" dirty="0"/>
+              <a:t> and a large spatial coverage. We also test 5 other routes for generalizability purposes and the results still hold.</a:t>
+            </a:r>
+          </a:p>
+        </p:txBody>
+      </p:sp>
+      <p:sp>
+        <p:nvSpPr>
+          <p:cNvPr id="4" name="Slide Number Placeholder 3"/>
+          <p:cNvSpPr>
+            <a:spLocks noGrp="1"/>
+          </p:cNvSpPr>
+          <p:nvPr>
+            <p:ph type="sldNum" sz="quarter" idx="5"/>
+          </p:nvPr>
+        </p:nvSpPr>
+        <p:spPr/>
+        <p:txBody>
+          <a:bodyPr/>
+          <a:lstStyle/>
+          <a:p>
+            <a:fld id="{D904D311-73F7-5D42-B843-E8305C73070F}" type="slidenum">
+              <a:rPr lang="en-US" smtClean="0"/>
+              <a:t>7</a:t>
+            </a:fld>
+            <a:endParaRPr lang="en-US" dirty="0"/>
+          </a:p>
+        </p:txBody>
+      </p:sp>
+    </p:spTree>
+    <p:extLst>
+      <p:ext uri="{BB962C8B-B14F-4D97-AF65-F5344CB8AC3E}">
+        <p14:creationId xmlns:p14="http://schemas.microsoft.com/office/powerpoint/2010/main" val="2972482361"/>
+      </p:ext>
+    </p:extLst>
+  </p:cSld>
+  <p:clrMapOvr>
+    <a:masterClrMapping/>
+  </p:clrMapOvr>
+</p:notes>
+</file>
+
+<file path=ppt/notesSlides/notesSlide8.xml><?xml version="1.0" encoding="utf-8"?>
+<p:notes xmlns:a="http://schemas.openxmlformats.org/drawingml/2006/main" xmlns:r="http://schemas.openxmlformats.org/officeDocument/2006/relationships" xmlns:p="http://schemas.openxmlformats.org/presentationml/2006/main">
+  <p:cSld>
+    <p:spTree>
+      <p:nvGrpSpPr>
+        <p:cNvPr id="1" name=""/>
+        <p:cNvGrpSpPr/>
+        <p:nvPr/>
+      </p:nvGrpSpPr>
+      <p:grpSpPr>
+        <a:xfrm>
+          <a:off x="0" y="0"/>
+          <a:ext cx="0" cy="0"/>
+          <a:chOff x="0" y="0"/>
+          <a:chExt cx="0" cy="0"/>
+        </a:xfrm>
+      </p:grpSpPr>
+      <p:sp>
+        <p:nvSpPr>
+          <p:cNvPr id="2" name="Slide Image Placeholder 1"/>
+          <p:cNvSpPr>
+            <a:spLocks noGrp="1" noRot="1" noChangeAspect="1"/>
+          </p:cNvSpPr>
+          <p:nvPr>
+            <p:ph type="sldImg"/>
+          </p:nvPr>
+        </p:nvSpPr>
+        <p:spPr/>
+      </p:sp>
+      <p:sp>
+        <p:nvSpPr>
+          <p:cNvPr id="3" name="Notes Placeholder 2"/>
+          <p:cNvSpPr>
+            <a:spLocks noGrp="1"/>
+          </p:cNvSpPr>
+          <p:nvPr>
+            <p:ph type="body" idx="1"/>
+          </p:nvPr>
+        </p:nvSpPr>
+        <p:spPr/>
+        <p:txBody>
+          <a:bodyPr/>
+          <a:lstStyle/>
+          <a:p>
+            <a:r>
+              <a:rPr lang="en-US" dirty="0"/>
+              <a:t>The </a:t>
+            </a:r>
+            <a:r>
+              <a:rPr lang="en-US" dirty="0" err="1"/>
+              <a:t>firstr</a:t>
+            </a:r>
+            <a:r>
+              <a:rPr lang="en-US" dirty="0"/>
+              <a:t> analysis we did is the hourly average waiting time for every hour in a day. First result we see is that following schedule is close to the optimal prudent strategy. </a:t>
+            </a:r>
+          </a:p>
+          <a:p>
+            <a:endParaRPr lang="en-US" dirty="0"/>
+          </a:p>
+          <a:p>
+            <a:r>
+              <a:rPr lang="en-US" dirty="0"/>
+              <a:t>However, the greedy </a:t>
+            </a:r>
+            <a:r>
+              <a:rPr lang="en-US" dirty="0" err="1"/>
+              <a:t>rti</a:t>
+            </a:r>
+            <a:r>
+              <a:rPr lang="en-US" dirty="0"/>
+              <a:t> strategy is even </a:t>
+            </a:r>
+            <a:r>
+              <a:rPr lang="en-US" dirty="0" err="1"/>
+              <a:t>woese</a:t>
+            </a:r>
+            <a:r>
+              <a:rPr lang="en-US" dirty="0"/>
+              <a:t> than leaving home randomly.  This result show that RTI is only useful when used properly.  And headway has </a:t>
+            </a:r>
+            <a:r>
+              <a:rPr lang="en-US" dirty="0" err="1"/>
+              <a:t>na</a:t>
+            </a:r>
+            <a:r>
+              <a:rPr lang="en-US" dirty="0"/>
+              <a:t> impact on the waiting time and risk of </a:t>
+            </a:r>
+            <a:r>
+              <a:rPr lang="en-US" dirty="0" err="1"/>
+              <a:t>missinga</a:t>
+            </a:r>
+            <a:r>
+              <a:rPr lang="en-US" dirty="0"/>
+              <a:t> bus</a:t>
+            </a:r>
+          </a:p>
+        </p:txBody>
+      </p:sp>
+      <p:sp>
+        <p:nvSpPr>
+          <p:cNvPr id="4" name="Slide Number Placeholder 3"/>
+          <p:cNvSpPr>
+            <a:spLocks noGrp="1"/>
+          </p:cNvSpPr>
+          <p:nvPr>
+            <p:ph type="sldNum" sz="quarter" idx="5"/>
+          </p:nvPr>
+        </p:nvSpPr>
+        <p:spPr/>
+        <p:txBody>
+          <a:bodyPr/>
+          <a:lstStyle/>
+          <a:p>
+            <a:fld id="{D904D311-73F7-5D42-B843-E8305C73070F}" type="slidenum">
+              <a:rPr lang="en-US" smtClean="0"/>
+              <a:t>8</a:t>
+            </a:fld>
+            <a:endParaRPr lang="en-US" dirty="0"/>
+          </a:p>
+        </p:txBody>
+      </p:sp>
+    </p:spTree>
+    <p:extLst>
+      <p:ext uri="{BB962C8B-B14F-4D97-AF65-F5344CB8AC3E}">
+        <p14:creationId xmlns:p14="http://schemas.microsoft.com/office/powerpoint/2010/main" val="1316595963"/>
+      </p:ext>
+    </p:extLst>
+  </p:cSld>
+  <p:clrMapOvr>
+    <a:masterClrMapping/>
+  </p:clrMapOvr>
+</p:notes>
+</file>
+
+<file path=ppt/notesSlides/notesSlide9.xml><?xml version="1.0" encoding="utf-8"?>
+<p:notes xmlns:a="http://schemas.openxmlformats.org/drawingml/2006/main" xmlns:r="http://schemas.openxmlformats.org/officeDocument/2006/relationships" xmlns:p="http://schemas.openxmlformats.org/presentationml/2006/main">
+  <p:cSld>
+    <p:spTree>
+      <p:nvGrpSpPr>
+        <p:cNvPr id="1" name=""/>
+        <p:cNvGrpSpPr/>
+        <p:nvPr/>
+      </p:nvGrpSpPr>
+      <p:grpSpPr>
+        <a:xfrm>
+          <a:off x="0" y="0"/>
+          <a:ext cx="0" cy="0"/>
+          <a:chOff x="0" y="0"/>
+          <a:chExt cx="0" cy="0"/>
+        </a:xfrm>
+      </p:grpSpPr>
+      <p:sp>
+        <p:nvSpPr>
+          <p:cNvPr id="2" name="Slide Image Placeholder 1"/>
+          <p:cNvSpPr>
+            <a:spLocks noGrp="1" noRot="1" noChangeAspect="1"/>
+          </p:cNvSpPr>
+          <p:nvPr>
+            <p:ph type="sldImg"/>
+          </p:nvPr>
+        </p:nvSpPr>
+        <p:spPr/>
+      </p:sp>
+      <p:sp>
+        <p:nvSpPr>
+          <p:cNvPr id="3" name="Notes Placeholder 2"/>
+          <p:cNvSpPr>
+            <a:spLocks noGrp="1"/>
+          </p:cNvSpPr>
+          <p:nvPr>
+            <p:ph type="body" idx="1"/>
+          </p:nvPr>
+        </p:nvSpPr>
+        <p:spPr/>
+        <p:txBody>
+          <a:bodyPr/>
+          <a:lstStyle/>
+          <a:p>
+            <a:r>
+              <a:rPr lang="en-US" dirty="0"/>
+              <a:t>After knowing the temporal pattern, we also </a:t>
+            </a:r>
+            <a:r>
+              <a:rPr lang="en-US" dirty="0" err="1"/>
+              <a:t>visualizae</a:t>
+            </a:r>
+            <a:r>
+              <a:rPr lang="en-US" dirty="0"/>
+              <a:t> the prudent </a:t>
+            </a:r>
+            <a:r>
+              <a:rPr lang="en-US" dirty="0" err="1"/>
+              <a:t>rti</a:t>
+            </a:r>
+            <a:r>
+              <a:rPr lang="en-US" dirty="0"/>
+              <a:t> strategy’s spatial pattern.  [READ THE PPT]</a:t>
+            </a:r>
+          </a:p>
+        </p:txBody>
+      </p:sp>
+      <p:sp>
+        <p:nvSpPr>
+          <p:cNvPr id="4" name="Slide Number Placeholder 3"/>
+          <p:cNvSpPr>
+            <a:spLocks noGrp="1"/>
+          </p:cNvSpPr>
+          <p:nvPr>
+            <p:ph type="sldNum" sz="quarter" idx="5"/>
+          </p:nvPr>
+        </p:nvSpPr>
+        <p:spPr/>
+        <p:txBody>
+          <a:bodyPr/>
+          <a:lstStyle/>
+          <a:p>
+            <a:fld id="{D904D311-73F7-5D42-B843-E8305C73070F}" type="slidenum">
+              <a:rPr lang="en-US" smtClean="0"/>
+              <a:t>9</a:t>
+            </a:fld>
+            <a:endParaRPr lang="en-US" dirty="0"/>
+          </a:p>
+        </p:txBody>
+      </p:sp>
+    </p:spTree>
+    <p:extLst>
+      <p:ext uri="{BB962C8B-B14F-4D97-AF65-F5344CB8AC3E}">
+        <p14:creationId xmlns:p14="http://schemas.microsoft.com/office/powerpoint/2010/main" val="2134956757"/>
       </p:ext>
     </p:extLst>
   </p:cSld>
@@ -3303,7 +4372,7 @@
             <a:fld id="{0F0D8E7B-AF3B-B444-8E74-E549FC814F53}" type="datetimeFigureOut">
               <a:rPr lang="en-US" smtClean="0"/>
               <a:pPr/>
-              <a:t>4/6/2021</a:t>
+              <a:t>4/7/2021</a:t>
             </a:fld>
             <a:endParaRPr lang="en-US" dirty="0"/>
           </a:p>
@@ -4531,7 +5600,7 @@
           </p:nvPr>
         </p:nvPicPr>
         <p:blipFill>
-          <a:blip r:embed="rId2"/>
+          <a:blip r:embed="rId3"/>
           <a:stretch>
             <a:fillRect/>
           </a:stretch>
@@ -5480,7 +6549,7 @@
           <p:nvPr/>
         </p:nvPicPr>
         <p:blipFill>
-          <a:blip r:embed="rId2"/>
+          <a:blip r:embed="rId3"/>
           <a:stretch>
             <a:fillRect/>
           </a:stretch>
@@ -5519,7 +6588,7 @@
           <p:nvPr/>
         </p:nvPicPr>
         <p:blipFill>
-          <a:blip r:embed="rId3"/>
+          <a:blip r:embed="rId4"/>
           <a:stretch>
             <a:fillRect/>
           </a:stretch>
@@ -6488,7 +7557,7 @@
             </a:r>
             <a:r>
               <a:rPr lang="en-US" sz="2400" dirty="0"/>
-              <a:t>every 1 minutes: </a:t>
+              <a:t>every 1 minutes from May 2018 – May 2019: </a:t>
             </a:r>
             <a:r>
               <a:rPr lang="en-US" sz="2400" dirty="0">
@@ -6496,7 +7565,7 @@
                   <a:srgbClr val="C00000"/>
                 </a:solidFill>
               </a:rPr>
-              <a:t>145, 200, 000 GTFS records, 2 TB volume</a:t>
+              <a:t>TB-level volume</a:t>
             </a:r>
           </a:p>
           <a:p>
@@ -6767,7 +7836,7 @@
           <p:nvPr/>
         </p:nvPicPr>
         <p:blipFill>
-          <a:blip r:embed="rId2"/>
+          <a:blip r:embed="rId3"/>
           <a:stretch>
             <a:fillRect/>
           </a:stretch>
@@ -6985,7 +8054,7 @@
           <p:nvPr/>
         </p:nvPicPr>
         <p:blipFill>
-          <a:blip r:embed="rId2"/>
+          <a:blip r:embed="rId3"/>
           <a:stretch>
             <a:fillRect/>
           </a:stretch>
@@ -7181,7 +8250,7 @@
           <p:nvPr/>
         </p:nvPicPr>
         <p:blipFill rotWithShape="1">
-          <a:blip r:embed="rId2"/>
+          <a:blip r:embed="rId3"/>
           <a:srcRect r="50036"/>
           <a:stretch/>
         </p:blipFill>
@@ -8490,21 +9559,6 @@
 </file>
 
 <file path=customXml/item1.xml><?xml version="1.0" encoding="utf-8"?>
-<p:properties xmlns:p="http://schemas.microsoft.com/office/2006/metadata/properties" xmlns:xsi="http://www.w3.org/2001/XMLSchema-instance" xmlns:pc="http://schemas.microsoft.com/office/infopath/2007/PartnerControls">
-  <documentManagement/>
-</p:properties>
-</file>
-
-<file path=customXml/item2.xml><?xml version="1.0" encoding="utf-8"?>
-<?mso-contentType ?>
-<FormTemplates xmlns="http://schemas.microsoft.com/sharepoint/v3/contenttype/forms">
-  <Display>DocumentLibraryForm</Display>
-  <Edit>DocumentLibraryForm</Edit>
-  <New>DocumentLibraryForm</New>
-</FormTemplates>
-</file>
-
-<file path=customXml/item3.xml><?xml version="1.0" encoding="utf-8"?>
 <ct:contentTypeSchema xmlns:ct="http://schemas.microsoft.com/office/2006/metadata/contentType" xmlns:ma="http://schemas.microsoft.com/office/2006/metadata/properties/metaAttributes" ct:_="" ma:_="" ma:contentTypeName="Document" ma:contentTypeID="0x010100E930CDF73BC53D41B7E133DF537BDA40" ma:contentTypeVersion="4" ma:contentTypeDescription="Create a new document." ma:contentTypeScope="" ma:versionID="9837b0592f411cf3688bf15e48e4d766">
   <xsd:schema xmlns:xsd="http://www.w3.org/2001/XMLSchema" xmlns:xs="http://www.w3.org/2001/XMLSchema" xmlns:p="http://schemas.microsoft.com/office/2006/metadata/properties" xmlns:ns2="ec0d9b4f-8739-43ee-a99c-7c904fd80ae7" targetNamespace="http://schemas.microsoft.com/office/2006/metadata/properties" ma:root="true" ma:fieldsID="63d497057f8bc113e15388da07a12c07" ns2:_="">
     <xsd:import namespace="ec0d9b4f-8739-43ee-a99c-7c904fd80ae7"/>
@@ -8650,24 +9704,22 @@
 </ct:contentTypeSchema>
 </file>
 
-<file path=customXml/itemProps1.xml><?xml version="1.0" encoding="utf-8"?>
-<ds:datastoreItem xmlns:ds="http://schemas.openxmlformats.org/officeDocument/2006/customXml" ds:itemID="{38D28F27-5C59-4CD4-8DF0-94A9CE9B5602}">
-  <ds:schemaRefs>
-    <ds:schemaRef ds:uri="http://schemas.microsoft.com/office/2006/metadata/properties"/>
-    <ds:schemaRef ds:uri="http://schemas.microsoft.com/office/infopath/2007/PartnerControls"/>
-  </ds:schemaRefs>
-</ds:datastoreItem>
+<file path=customXml/item2.xml><?xml version="1.0" encoding="utf-8"?>
+<?mso-contentType ?>
+<FormTemplates xmlns="http://schemas.microsoft.com/sharepoint/v3/contenttype/forms">
+  <Display>DocumentLibraryForm</Display>
+  <Edit>DocumentLibraryForm</Edit>
+  <New>DocumentLibraryForm</New>
+</FormTemplates>
 </file>
 
-<file path=customXml/itemProps2.xml><?xml version="1.0" encoding="utf-8"?>
-<ds:datastoreItem xmlns:ds="http://schemas.openxmlformats.org/officeDocument/2006/customXml" ds:itemID="{2235C39A-9318-4158-BB93-21D0B59CA321}">
-  <ds:schemaRefs>
-    <ds:schemaRef ds:uri="http://schemas.microsoft.com/sharepoint/v3/contenttype/forms"/>
-  </ds:schemaRefs>
-</ds:datastoreItem>
+<file path=customXml/item3.xml><?xml version="1.0" encoding="utf-8"?>
+<p:properties xmlns:p="http://schemas.microsoft.com/office/2006/metadata/properties" xmlns:xsi="http://www.w3.org/2001/XMLSchema-instance" xmlns:pc="http://schemas.microsoft.com/office/infopath/2007/PartnerControls">
+  <documentManagement/>
+</p:properties>
 </file>
 
-<file path=customXml/itemProps3.xml><?xml version="1.0" encoding="utf-8"?>
+<file path=customXml/itemProps1.xml><?xml version="1.0" encoding="utf-8"?>
 <ds:datastoreItem xmlns:ds="http://schemas.openxmlformats.org/officeDocument/2006/customXml" ds:itemID="{DFDDDCD3-9822-49C9-98E5-FB1DFD31C0B0}">
   <ds:schemaRefs>
     <ds:schemaRef ds:uri="http://schemas.microsoft.com/office/2006/metadata/contentType"/>
@@ -8683,4 +9735,21 @@
     <ds:schemaRef ds:uri="http://schemas.microsoft.com/internal/obd"/>
   </ds:schemaRefs>
 </ds:datastoreItem>
+</file>
+
+<file path=customXml/itemProps2.xml><?xml version="1.0" encoding="utf-8"?>
+<ds:datastoreItem xmlns:ds="http://schemas.openxmlformats.org/officeDocument/2006/customXml" ds:itemID="{2235C39A-9318-4158-BB93-21D0B59CA321}">
+  <ds:schemaRefs>
+    <ds:schemaRef ds:uri="http://schemas.microsoft.com/sharepoint/v3/contenttype/forms"/>
+  </ds:schemaRefs>
+</ds:datastoreItem>
+</file>
+
+<file path=customXml/itemProps3.xml><?xml version="1.0" encoding="utf-8"?>
+<ds:datastoreItem xmlns:ds="http://schemas.openxmlformats.org/officeDocument/2006/customXml" ds:itemID="{38D28F27-5C59-4CD4-8DF0-94A9CE9B5602}">
+  <ds:schemaRefs>
+    <ds:schemaRef ds:uri="http://schemas.microsoft.com/office/2006/metadata/properties"/>
+    <ds:schemaRef ds:uri="http://schemas.microsoft.com/office/infopath/2007/PartnerControls"/>
+  </ds:schemaRefs>
+</ds:datastoreItem>
 </file>
--- a/document/AAG_presentation/presentation.pptx
+++ b/document/AAG_presentation/presentation.pptx
@@ -358,7 +358,7 @@
           </a:lstStyle>
           <a:p>
             <a:fld id="{9A5B6E0F-1DB3-5A43-B8F9-5E1E696749DF}" type="datetimeFigureOut">
-              <a:t>4/7/2021</a:t>
+              <a:t>4/8/2021</a:t>
             </a:fld>
             <a:endParaRPr lang="en-US" dirty="0"/>
           </a:p>
@@ -521,7 +521,7 @@
           </a:lstStyle>
           <a:p>
             <a:fld id="{C61BC211-ACBD-CB48-B939-364088D2CD6D}" type="datetimeFigureOut">
-              <a:t>4/7/2021</a:t>
+              <a:t>4/8/2021</a:t>
             </a:fld>
             <a:endParaRPr lang="en-US" dirty="0"/>
           </a:p>
@@ -969,12 +969,17 @@
             </a:r>
           </a:p>
           <a:p>
-            <a:endParaRPr lang="en-US" dirty="0"/>
-          </a:p>
-          <a:p>
-            <a:r>
-              <a:rPr lang="en-US" dirty="0"/>
-              <a:t>There is another interesting pattern in this map, is that each stop have several concentric circles, which indicates different walking time. From the center to the outer ring, the waiting time is increasing. </a:t>
+            <a:r>
+              <a:rPr lang="en-US" dirty="0"/>
+              <a:t>There is several other interesting patterns in this map, First is the presence of a </a:t>
+            </a:r>
+            <a:r>
+              <a:rPr lang="en-US" dirty="0" err="1"/>
+              <a:t>diagonoal</a:t>
+            </a:r>
+            <a:r>
+              <a:rPr lang="en-US" dirty="0"/>
+              <a:t> patterns. is that each stop have several concentric circles, which indicates different walking time. From the center to the outer ring, the waiting time is increasing. </a:t>
             </a:r>
           </a:p>
         </p:txBody>
@@ -1275,7 +1280,23 @@
             </a:r>
             <a:r>
               <a:rPr lang="en-US" dirty="0"/>
-              <a:t> in the literature for real-time information is decrease waiting time. However, despite the overall impact on waiting time is well explored, there are still some mechanism behind the benefit we did not fully discussed. For example, Realtime information can actually increase the risk of missing a bus under some circumstances. </a:t>
+              <a:t> in the literature for real-time information is decrease waiting time. However, despite the overall impact on waiting time is well explored, there are still some mechanism behind the benefit we did not fully discussed. For example, we have long </a:t>
+            </a:r>
+            <a:r>
+              <a:rPr lang="en-US" dirty="0" err="1"/>
+              <a:t>regareded</a:t>
+            </a:r>
+            <a:r>
+              <a:rPr lang="en-US" dirty="0"/>
+              <a:t> the RTI as a gift from the Prometheus we think it is always beneficial to users. </a:t>
+            </a:r>
+            <a:r>
+              <a:rPr lang="en-US"/>
+              <a:t>But, Realtime </a:t>
+            </a:r>
+            <a:r>
+              <a:rPr lang="en-US" dirty="0"/>
+              <a:t>information can actually increase the risk of missing a bus under some circumstances. </a:t>
             </a:r>
           </a:p>
         </p:txBody>
@@ -1761,7 +1782,7 @@
             </a:r>
             <a:r>
               <a:rPr lang="en-US" dirty="0"/>
-              <a:t> level. </a:t>
+              <a:t> level for the whole year from May 2018 to 2019. </a:t>
             </a:r>
           </a:p>
           <a:p>
@@ -4372,7 +4393,7 @@
             <a:fld id="{0F0D8E7B-AF3B-B444-8E74-E549FC814F53}" type="datetimeFigureOut">
               <a:rPr lang="en-US" smtClean="0"/>
               <a:pPr/>
-              <a:t>4/7/2021</a:t>
+              <a:t>4/8/2021</a:t>
             </a:fld>
             <a:endParaRPr lang="en-US" dirty="0"/>
           </a:p>
@@ -6244,6 +6265,36 @@
           </a:p>
         </p:txBody>
       </p:sp>
+      <p:pic>
+        <p:nvPicPr>
+          <p:cNvPr id="5" name="Picture 4">
+            <a:extLst>
+              <a:ext uri="{FF2B5EF4-FFF2-40B4-BE49-F238E27FC236}">
+                <a16:creationId xmlns:a16="http://schemas.microsoft.com/office/drawing/2014/main" id="{EBAF7267-90B0-4897-BF90-6DDB71AF8A42}"/>
+              </a:ext>
+            </a:extLst>
+          </p:cNvPr>
+          <p:cNvPicPr>
+            <a:picLocks noChangeAspect="1"/>
+          </p:cNvPicPr>
+          <p:nvPr/>
+        </p:nvPicPr>
+        <p:blipFill>
+          <a:blip r:embed="rId2"/>
+          <a:stretch>
+            <a:fillRect/>
+          </a:stretch>
+        </p:blipFill>
+        <p:spPr>
+          <a:xfrm>
+            <a:off x="2028785" y="4887021"/>
+            <a:ext cx="5086430" cy="1929539"/>
+          </a:xfrm>
+          <a:prstGeom prst="rect">
+            <a:avLst/>
+          </a:prstGeom>
+        </p:spPr>
+      </p:pic>
     </p:spTree>
     <p:extLst>
       <p:ext uri="{BB962C8B-B14F-4D97-AF65-F5344CB8AC3E}">
@@ -9559,6 +9610,21 @@
 </file>
 
 <file path=customXml/item1.xml><?xml version="1.0" encoding="utf-8"?>
+<p:properties xmlns:p="http://schemas.microsoft.com/office/2006/metadata/properties" xmlns:xsi="http://www.w3.org/2001/XMLSchema-instance" xmlns:pc="http://schemas.microsoft.com/office/infopath/2007/PartnerControls">
+  <documentManagement/>
+</p:properties>
+</file>
+
+<file path=customXml/item2.xml><?xml version="1.0" encoding="utf-8"?>
+<?mso-contentType ?>
+<FormTemplates xmlns="http://schemas.microsoft.com/sharepoint/v3/contenttype/forms">
+  <Display>DocumentLibraryForm</Display>
+  <Edit>DocumentLibraryForm</Edit>
+  <New>DocumentLibraryForm</New>
+</FormTemplates>
+</file>
+
+<file path=customXml/item3.xml><?xml version="1.0" encoding="utf-8"?>
 <ct:contentTypeSchema xmlns:ct="http://schemas.microsoft.com/office/2006/metadata/contentType" xmlns:ma="http://schemas.microsoft.com/office/2006/metadata/properties/metaAttributes" ct:_="" ma:_="" ma:contentTypeName="Document" ma:contentTypeID="0x010100E930CDF73BC53D41B7E133DF537BDA40" ma:contentTypeVersion="4" ma:contentTypeDescription="Create a new document." ma:contentTypeScope="" ma:versionID="9837b0592f411cf3688bf15e48e4d766">
   <xsd:schema xmlns:xsd="http://www.w3.org/2001/XMLSchema" xmlns:xs="http://www.w3.org/2001/XMLSchema" xmlns:p="http://schemas.microsoft.com/office/2006/metadata/properties" xmlns:ns2="ec0d9b4f-8739-43ee-a99c-7c904fd80ae7" targetNamespace="http://schemas.microsoft.com/office/2006/metadata/properties" ma:root="true" ma:fieldsID="63d497057f8bc113e15388da07a12c07" ns2:_="">
     <xsd:import namespace="ec0d9b4f-8739-43ee-a99c-7c904fd80ae7"/>
@@ -9704,22 +9770,24 @@
 </ct:contentTypeSchema>
 </file>
 
-<file path=customXml/item2.xml><?xml version="1.0" encoding="utf-8"?>
-<?mso-contentType ?>
-<FormTemplates xmlns="http://schemas.microsoft.com/sharepoint/v3/contenttype/forms">
-  <Display>DocumentLibraryForm</Display>
-  <Edit>DocumentLibraryForm</Edit>
-  <New>DocumentLibraryForm</New>
-</FormTemplates>
+<file path=customXml/itemProps1.xml><?xml version="1.0" encoding="utf-8"?>
+<ds:datastoreItem xmlns:ds="http://schemas.openxmlformats.org/officeDocument/2006/customXml" ds:itemID="{38D28F27-5C59-4CD4-8DF0-94A9CE9B5602}">
+  <ds:schemaRefs>
+    <ds:schemaRef ds:uri="http://schemas.microsoft.com/office/2006/metadata/properties"/>
+    <ds:schemaRef ds:uri="http://schemas.microsoft.com/office/infopath/2007/PartnerControls"/>
+  </ds:schemaRefs>
+</ds:datastoreItem>
 </file>
 
-<file path=customXml/item3.xml><?xml version="1.0" encoding="utf-8"?>
-<p:properties xmlns:p="http://schemas.microsoft.com/office/2006/metadata/properties" xmlns:xsi="http://www.w3.org/2001/XMLSchema-instance" xmlns:pc="http://schemas.microsoft.com/office/infopath/2007/PartnerControls">
-  <documentManagement/>
-</p:properties>
+<file path=customXml/itemProps2.xml><?xml version="1.0" encoding="utf-8"?>
+<ds:datastoreItem xmlns:ds="http://schemas.openxmlformats.org/officeDocument/2006/customXml" ds:itemID="{2235C39A-9318-4158-BB93-21D0B59CA321}">
+  <ds:schemaRefs>
+    <ds:schemaRef ds:uri="http://schemas.microsoft.com/sharepoint/v3/contenttype/forms"/>
+  </ds:schemaRefs>
+</ds:datastoreItem>
 </file>
 
-<file path=customXml/itemProps1.xml><?xml version="1.0" encoding="utf-8"?>
+<file path=customXml/itemProps3.xml><?xml version="1.0" encoding="utf-8"?>
 <ds:datastoreItem xmlns:ds="http://schemas.openxmlformats.org/officeDocument/2006/customXml" ds:itemID="{DFDDDCD3-9822-49C9-98E5-FB1DFD31C0B0}">
   <ds:schemaRefs>
     <ds:schemaRef ds:uri="http://schemas.microsoft.com/office/2006/metadata/contentType"/>
@@ -9735,21 +9803,4 @@
     <ds:schemaRef ds:uri="http://schemas.microsoft.com/internal/obd"/>
   </ds:schemaRefs>
 </ds:datastoreItem>
-</file>
-
-<file path=customXml/itemProps2.xml><?xml version="1.0" encoding="utf-8"?>
-<ds:datastoreItem xmlns:ds="http://schemas.openxmlformats.org/officeDocument/2006/customXml" ds:itemID="{2235C39A-9318-4158-BB93-21D0B59CA321}">
-  <ds:schemaRefs>
-    <ds:schemaRef ds:uri="http://schemas.microsoft.com/sharepoint/v3/contenttype/forms"/>
-  </ds:schemaRefs>
-</ds:datastoreItem>
-</file>
-
-<file path=customXml/itemProps3.xml><?xml version="1.0" encoding="utf-8"?>
-<ds:datastoreItem xmlns:ds="http://schemas.openxmlformats.org/officeDocument/2006/customXml" ds:itemID="{38D28F27-5C59-4CD4-8DF0-94A9CE9B5602}">
-  <ds:schemaRefs>
-    <ds:schemaRef ds:uri="http://schemas.microsoft.com/office/2006/metadata/properties"/>
-    <ds:schemaRef ds:uri="http://schemas.microsoft.com/office/infopath/2007/PartnerControls"/>
-  </ds:schemaRefs>
-</ds:datastoreItem>
 </file>